--- a/topic01/talk-1/1_DA_Intro.pptx
+++ b/topic01/talk-1/1_DA_Intro.pptx
@@ -5,27 +5,28 @@
     <p:sldMasterId id="2147483660" r:id="rId1"/>
   </p:sldMasterIdLst>
   <p:notesMasterIdLst>
-    <p:notesMasterId r:id="rId20"/>
+    <p:notesMasterId r:id="rId21"/>
   </p:notesMasterIdLst>
   <p:sldIdLst>
     <p:sldId id="256" r:id="rId2"/>
     <p:sldId id="258" r:id="rId3"/>
     <p:sldId id="259" r:id="rId4"/>
-    <p:sldId id="257" r:id="rId5"/>
-    <p:sldId id="262" r:id="rId6"/>
-    <p:sldId id="263" r:id="rId7"/>
-    <p:sldId id="264" r:id="rId8"/>
-    <p:sldId id="271" r:id="rId9"/>
-    <p:sldId id="272" r:id="rId10"/>
-    <p:sldId id="273" r:id="rId11"/>
-    <p:sldId id="268" r:id="rId12"/>
-    <p:sldId id="269" r:id="rId13"/>
-    <p:sldId id="270" r:id="rId14"/>
-    <p:sldId id="265" r:id="rId15"/>
-    <p:sldId id="261" r:id="rId16"/>
-    <p:sldId id="266" r:id="rId17"/>
-    <p:sldId id="267" r:id="rId18"/>
-    <p:sldId id="274" r:id="rId19"/>
+    <p:sldId id="275" r:id="rId5"/>
+    <p:sldId id="257" r:id="rId6"/>
+    <p:sldId id="262" r:id="rId7"/>
+    <p:sldId id="263" r:id="rId8"/>
+    <p:sldId id="264" r:id="rId9"/>
+    <p:sldId id="271" r:id="rId10"/>
+    <p:sldId id="272" r:id="rId11"/>
+    <p:sldId id="273" r:id="rId12"/>
+    <p:sldId id="268" r:id="rId13"/>
+    <p:sldId id="269" r:id="rId14"/>
+    <p:sldId id="270" r:id="rId15"/>
+    <p:sldId id="265" r:id="rId16"/>
+    <p:sldId id="261" r:id="rId17"/>
+    <p:sldId id="266" r:id="rId18"/>
+    <p:sldId id="267" r:id="rId19"/>
+    <p:sldId id="274" r:id="rId20"/>
   </p:sldIdLst>
   <p:sldSz cx="9144000" cy="6858000" type="screen4x3"/>
   <p:notesSz cx="6858000" cy="9144000"/>
@@ -760,7 +761,7 @@
           <a:p>
             <a:fld id="{D1EB6351-5CDA-4655-A3D3-DBDC87F2A921}" type="slidenum">
               <a:rPr lang="en-GB" smtClean="0"/>
-              <a:t>7</a:t>
+              <a:t>8</a:t>
             </a:fld>
             <a:endParaRPr lang="en-GB"/>
           </a:p>
@@ -844,7 +845,7 @@
           <a:p>
             <a:fld id="{D1EB6351-5CDA-4655-A3D3-DBDC87F2A921}" type="slidenum">
               <a:rPr lang="en-GB" smtClean="0"/>
-              <a:t>10</a:t>
+              <a:t>11</a:t>
             </a:fld>
             <a:endParaRPr lang="en-GB"/>
           </a:p>
@@ -1101,7 +1102,7 @@
             <a:fld id="{586F9A56-4096-4F70-85CD-24284FFF522C}" type="slidenum">
               <a:rPr lang="en-US"/>
               <a:pPr eaLnBrk="1" hangingPunct="1"/>
-              <a:t>13</a:t>
+              <a:t>14</a:t>
             </a:fld>
             <a:endParaRPr lang="en-US"/>
           </a:p>
@@ -1228,7 +1229,7 @@
           <a:p>
             <a:fld id="{D1EB6351-5CDA-4655-A3D3-DBDC87F2A921}" type="slidenum">
               <a:rPr lang="en-GB" smtClean="0"/>
-              <a:t>14</a:t>
+              <a:t>15</a:t>
             </a:fld>
             <a:endParaRPr lang="en-GB"/>
           </a:p>
@@ -1312,7 +1313,7 @@
           <a:p>
             <a:fld id="{D1EB6351-5CDA-4655-A3D3-DBDC87F2A921}" type="slidenum">
               <a:rPr lang="en-GB" smtClean="0"/>
-              <a:t>17</a:t>
+              <a:t>18</a:t>
             </a:fld>
             <a:endParaRPr lang="en-GB"/>
           </a:p>
@@ -1432,7 +1433,7 @@
           <a:p>
             <a:fld id="{D1EB6351-5CDA-4655-A3D3-DBDC87F2A921}" type="slidenum">
               <a:rPr lang="en-GB" smtClean="0"/>
-              <a:t>18</a:t>
+              <a:t>19</a:t>
             </a:fld>
             <a:endParaRPr lang="en-GB"/>
           </a:p>
@@ -6126,7 +6127,7 @@
           <a:p>
             <a:r>
               <a:rPr lang="en-IE" dirty="0" smtClean="0"/>
-              <a:t>Introduction</a:t>
+              <a:t>introduction</a:t>
             </a:r>
             <a:endParaRPr lang="en-IE" dirty="0"/>
           </a:p>
@@ -6142,125 +6143,32 @@
             <p:ph idx="1"/>
           </p:nvPr>
         </p:nvSpPr>
-        <p:spPr>
-          <a:xfrm>
-            <a:off x="457200" y="1752600"/>
-            <a:ext cx="8229600" cy="4844752"/>
-          </a:xfrm>
-        </p:spPr>
+        <p:spPr/>
         <p:txBody>
           <a:bodyPr>
-            <a:normAutofit fontScale="92500" lnSpcReduction="20000"/>
+            <a:normAutofit lnSpcReduction="10000"/>
           </a:bodyPr>
           <a:lstStyle/>
           <a:p>
             <a:r>
               <a:rPr lang="en-IE" dirty="0"/>
-              <a:t>Business intelligence is sometimes used interchangeably </a:t>
+              <a:t>Business intelligence combines a broad set of data analysis applications, including ad hoc analysis and querying, enterprise reporting, online analytical processing (OLAP), mobile BI, real-time BI, operational BI, cloud </a:t>
             </a:r>
             <a:r>
               <a:rPr lang="en-IE" dirty="0" smtClean="0"/>
-              <a:t>with business </a:t>
+              <a:t>and software </a:t>
             </a:r>
             <a:r>
               <a:rPr lang="en-IE" dirty="0"/>
-              <a:t>analytics; in other cases, business analytics is used either more narrowly to refer to advanced data analytics or more broadly to include both BI and advanced analytics</a:t>
-            </a:r>
-            <a:r>
-              <a:rPr lang="en-IE" dirty="0" smtClean="0"/>
-              <a:t>.</a:t>
-            </a:r>
-          </a:p>
-          <a:p>
-            <a:r>
-              <a:rPr lang="en-US" dirty="0">
-                <a:ea typeface="ＭＳ Ｐゴシック" pitchFamily="-106" charset="-128"/>
-              </a:rPr>
-              <a:t>Information technology which provides decision makers with valuable information and knowledge by leveraging a variety of data sources as well as structured and unstructured information.</a:t>
-            </a:r>
-          </a:p>
-          <a:p>
-            <a:pPr lvl="1"/>
-            <a:r>
-              <a:rPr lang="en-US" sz="1800" dirty="0">
-                <a:ea typeface="ＭＳ Ｐゴシック" pitchFamily="-106" charset="-128"/>
-              </a:rPr>
-              <a:t>Data sources external or internal to the organization</a:t>
-            </a:r>
-          </a:p>
-          <a:p>
-            <a:pPr lvl="1"/>
-            <a:r>
-              <a:rPr lang="en-US" sz="1800" dirty="0">
-                <a:ea typeface="ＭＳ Ｐゴシック" pitchFamily="-106" charset="-128"/>
-              </a:rPr>
-              <a:t>Information quantitative or qualitative</a:t>
-            </a:r>
-          </a:p>
-          <a:p>
-            <a:pPr lvl="1"/>
-            <a:r>
-              <a:rPr lang="en-US" sz="1800" dirty="0">
-                <a:ea typeface="ＭＳ Ｐゴシック" pitchFamily="-106" charset="-128"/>
-              </a:rPr>
-              <a:t>Output: knowledge </a:t>
-            </a:r>
-          </a:p>
-          <a:p>
-            <a:pPr lvl="1"/>
-            <a:r>
-              <a:rPr lang="en-US" sz="1800" dirty="0">
-                <a:ea typeface="ＭＳ Ｐゴシック" pitchFamily="-106" charset="-128"/>
-              </a:rPr>
-              <a:t>Input: information and </a:t>
-            </a:r>
-            <a:r>
-              <a:rPr lang="en-US" sz="1800" dirty="0" smtClean="0">
-                <a:ea typeface="ＭＳ Ｐゴシック" pitchFamily="-106" charset="-128"/>
-              </a:rPr>
-              <a:t>data</a:t>
-            </a:r>
-          </a:p>
-          <a:p>
-            <a:pPr lvl="1"/>
-            <a:endParaRPr lang="en-US" sz="1800" dirty="0">
-              <a:ea typeface="ＭＳ Ｐゴシック" pitchFamily="-106" charset="-128"/>
-            </a:endParaRPr>
-          </a:p>
-          <a:p>
-            <a:r>
-              <a:rPr lang="en-US" sz="2200" dirty="0">
-                <a:ea typeface="ＭＳ Ｐゴシック" pitchFamily="-106" charset="-128"/>
-                <a:hlinkClick r:id="rId3"/>
-              </a:rPr>
-              <a:t>https://</a:t>
-            </a:r>
-            <a:r>
-              <a:rPr lang="en-US" sz="2200" dirty="0" smtClean="0">
-                <a:ea typeface="ＭＳ Ｐゴシック" pitchFamily="-106" charset="-128"/>
-                <a:hlinkClick r:id="rId3"/>
-              </a:rPr>
-              <a:t>hbr.org/video/2386816175001/business-analytics-defined</a:t>
-            </a:r>
-            <a:endParaRPr lang="en-US" sz="2200" dirty="0" smtClean="0">
-              <a:ea typeface="ＭＳ Ｐゴシック" pitchFamily="-106" charset="-128"/>
-            </a:endParaRPr>
-          </a:p>
-          <a:p>
-            <a:pPr lvl="1"/>
-            <a:endParaRPr lang="en-US" sz="1800" dirty="0">
-              <a:ea typeface="ＭＳ Ｐゴシック" pitchFamily="-106" charset="-128"/>
-            </a:endParaRPr>
-          </a:p>
-          <a:p>
-            <a:endParaRPr lang="en-IE" dirty="0"/>
+              <a:t>as a service BI, open source BI, collaborative BI and location intelligence. BI technology also includes data visualization software for designing charts and other infographics, as well as tools for building BI dashboards and performance scorecards that display visualized data on business metrics and key performance indicators in an easy-to-grasp way. </a:t>
+            </a:r>
           </a:p>
         </p:txBody>
       </p:sp>
     </p:spTree>
     <p:extLst>
       <p:ext uri="{BB962C8B-B14F-4D97-AF65-F5344CB8AC3E}">
-        <p14:creationId xmlns:p14="http://schemas.microsoft.com/office/powerpoint/2010/main" val="3774420684"/>
+        <p14:creationId xmlns:p14="http://schemas.microsoft.com/office/powerpoint/2010/main" val="3516513681"/>
       </p:ext>
     </p:extLst>
   </p:cSld>
@@ -6289,7 +6197,7 @@
       </p:grpSpPr>
       <p:sp>
         <p:nvSpPr>
-          <p:cNvPr id="25602" name="Title 1"/>
+          <p:cNvPr id="2" name="Title 1"/>
           <p:cNvSpPr>
             <a:spLocks noGrp="1"/>
           </p:cNvSpPr>
@@ -6302,119 +6210,143 @@
           <a:bodyPr/>
           <a:lstStyle/>
           <a:p>
-            <a:pPr eaLnBrk="1" hangingPunct="1"/>
-            <a:r>
-              <a:rPr lang="en-US" dirty="0" smtClean="0">
+            <a:r>
+              <a:rPr lang="en-IE" dirty="0" smtClean="0"/>
+              <a:t>Introduction</a:t>
+            </a:r>
+            <a:endParaRPr lang="en-IE" dirty="0"/>
+          </a:p>
+        </p:txBody>
+      </p:sp>
+      <p:sp>
+        <p:nvSpPr>
+          <p:cNvPr id="3" name="Content Placeholder 2"/>
+          <p:cNvSpPr>
+            <a:spLocks noGrp="1"/>
+          </p:cNvSpPr>
+          <p:nvPr>
+            <p:ph idx="1"/>
+          </p:nvPr>
+        </p:nvSpPr>
+        <p:spPr>
+          <a:xfrm>
+            <a:off x="457200" y="1752600"/>
+            <a:ext cx="8229600" cy="4844752"/>
+          </a:xfrm>
+        </p:spPr>
+        <p:txBody>
+          <a:bodyPr>
+            <a:normAutofit fontScale="92500" lnSpcReduction="20000"/>
+          </a:bodyPr>
+          <a:lstStyle/>
+          <a:p>
+            <a:r>
+              <a:rPr lang="en-IE" dirty="0"/>
+              <a:t>Business intelligence is sometimes used interchangeably </a:t>
+            </a:r>
+            <a:r>
+              <a:rPr lang="en-IE" dirty="0" smtClean="0"/>
+              <a:t>with business </a:t>
+            </a:r>
+            <a:r>
+              <a:rPr lang="en-IE" dirty="0"/>
+              <a:t>analytics; in other cases, business analytics is used either more narrowly to refer to advanced data analytics or more broadly to include both BI and advanced analytics</a:t>
+            </a:r>
+            <a:r>
+              <a:rPr lang="en-IE" dirty="0" smtClean="0"/>
+              <a:t>.</a:t>
+            </a:r>
+          </a:p>
+          <a:p>
+            <a:r>
+              <a:rPr lang="en-US" dirty="0">
                 <a:ea typeface="ＭＳ Ｐゴシック" pitchFamily="-106" charset="-128"/>
               </a:rPr>
-              <a:t>Data, Information, Knowledge</a:t>
-            </a:r>
-          </a:p>
-        </p:txBody>
-      </p:sp>
-      <p:sp>
-        <p:nvSpPr>
-          <p:cNvPr id="25603" name="Content Placeholder 2"/>
-          <p:cNvSpPr>
-            <a:spLocks noGrp="1"/>
-          </p:cNvSpPr>
-          <p:nvPr>
-            <p:ph idx="1"/>
-          </p:nvPr>
-        </p:nvSpPr>
-        <p:spPr/>
-        <p:txBody>
-          <a:bodyPr>
-            <a:normAutofit lnSpcReduction="10000"/>
-          </a:bodyPr>
-          <a:lstStyle/>
-          <a:p>
-            <a:pPr eaLnBrk="1" hangingPunct="1"/>
-            <a:r>
-              <a:rPr lang="en-US" sz="2400" dirty="0" smtClean="0">
+              <a:t>Information technology which provides decision makers with valuable information and knowledge by leveraging a variety of data sources as well as structured and unstructured information.</a:t>
+            </a:r>
+          </a:p>
+          <a:p>
+            <a:pPr lvl="1"/>
+            <a:r>
+              <a:rPr lang="en-US" sz="1800" dirty="0">
                 <a:ea typeface="ＭＳ Ｐゴシック" pitchFamily="-106" charset="-128"/>
               </a:rPr>
-              <a:t>Data</a:t>
-            </a:r>
-          </a:p>
-          <a:p>
-            <a:pPr lvl="1" eaLnBrk="1" hangingPunct="1"/>
-            <a:r>
-              <a:rPr lang="en-US" sz="2400" dirty="0" smtClean="0">
+              <a:t>Data sources external or internal to the organization</a:t>
+            </a:r>
+          </a:p>
+          <a:p>
+            <a:pPr lvl="1"/>
+            <a:r>
+              <a:rPr lang="en-US" sz="1800" dirty="0">
                 <a:ea typeface="ＭＳ Ｐゴシック" pitchFamily="-106" charset="-128"/>
               </a:rPr>
-              <a:t>May or may not be correct</a:t>
-            </a:r>
-          </a:p>
-          <a:p>
-            <a:pPr lvl="1" eaLnBrk="1" hangingPunct="1"/>
-            <a:r>
-              <a:rPr lang="en-US" sz="2400" dirty="0" err="1" smtClean="0">
+              <a:t>Information quantitative or qualitative</a:t>
+            </a:r>
+          </a:p>
+          <a:p>
+            <a:pPr lvl="1"/>
+            <a:r>
+              <a:rPr lang="en-US" sz="1800" dirty="0">
                 <a:ea typeface="ＭＳ Ｐゴシック" pitchFamily="-106" charset="-128"/>
               </a:rPr>
-              <a:t>Eg</a:t>
-            </a:r>
-            <a:r>
-              <a:rPr lang="en-US" sz="2400" dirty="0" smtClean="0">
+              <a:t>Output: knowledge </a:t>
+            </a:r>
+          </a:p>
+          <a:p>
+            <a:pPr lvl="1"/>
+            <a:r>
+              <a:rPr lang="en-US" sz="1800" dirty="0">
                 <a:ea typeface="ＭＳ Ｐゴシック" pitchFamily="-106" charset="-128"/>
               </a:rPr>
-              <a:t>. Sales order at a restaurant included a large burger, medium fries and milkshake</a:t>
-            </a:r>
-          </a:p>
-          <a:p>
-            <a:pPr lvl="1" eaLnBrk="1" hangingPunct="1"/>
-            <a:endParaRPr lang="en-US" sz="2400" dirty="0" smtClean="0">
+              <a:t>Input: information and </a:t>
+            </a:r>
+            <a:r>
+              <a:rPr lang="en-US" sz="1800" dirty="0" smtClean="0">
+                <a:ea typeface="ＭＳ Ｐゴシック" pitchFamily="-106" charset="-128"/>
+              </a:rPr>
+              <a:t>data</a:t>
+            </a:r>
+          </a:p>
+          <a:p>
+            <a:pPr lvl="1"/>
+            <a:endParaRPr lang="en-US" sz="1800" dirty="0">
               <a:ea typeface="ＭＳ Ｐゴシック" pitchFamily="-106" charset="-128"/>
             </a:endParaRPr>
           </a:p>
           <a:p>
-            <a:pPr eaLnBrk="1" hangingPunct="1"/>
-            <a:r>
-              <a:rPr lang="en-US" sz="2400" dirty="0" smtClean="0">
+            <a:r>
+              <a:rPr lang="en-US" sz="2200" dirty="0">
                 <a:ea typeface="ＭＳ Ｐゴシック" pitchFamily="-106" charset="-128"/>
+                <a:hlinkClick r:id="rId3"/>
               </a:rPr>
-              <a:t>Information </a:t>
-            </a:r>
-          </a:p>
-          <a:p>
-            <a:pPr lvl="1" eaLnBrk="1" hangingPunct="1"/>
-            <a:r>
-              <a:rPr lang="en-US" sz="2400" dirty="0" smtClean="0">
+              <a:t>https://</a:t>
+            </a:r>
+            <a:r>
+              <a:rPr lang="en-US" sz="2200" dirty="0" smtClean="0">
                 <a:ea typeface="ＭＳ Ｐゴシック" pitchFamily="-106" charset="-128"/>
+                <a:hlinkClick r:id="rId3"/>
               </a:rPr>
-              <a:t>Subset of data</a:t>
-            </a:r>
-          </a:p>
-          <a:p>
-            <a:pPr lvl="1" eaLnBrk="1" hangingPunct="1"/>
-            <a:r>
-              <a:rPr lang="en-US" sz="2400" dirty="0" smtClean="0">
-                <a:ea typeface="ＭＳ Ｐゴシック" pitchFamily="-106" charset="-128"/>
-              </a:rPr>
-              <a:t>Data possessing context, relevance, and purpose</a:t>
-            </a:r>
-          </a:p>
-          <a:p>
-            <a:pPr lvl="1" eaLnBrk="1" hangingPunct="1"/>
-            <a:r>
-              <a:rPr lang="en-US" sz="2400" dirty="0" err="1" smtClean="0">
-                <a:ea typeface="ＭＳ Ｐゴシック" pitchFamily="-106" charset="-128"/>
-              </a:rPr>
-              <a:t>Eg</a:t>
-            </a:r>
-            <a:r>
-              <a:rPr lang="en-US" sz="2400" dirty="0" smtClean="0">
-                <a:ea typeface="ＭＳ Ｐゴシック" pitchFamily="-106" charset="-128"/>
-              </a:rPr>
-              <a:t>. The numbers indicating the daily sales (in dollars, quantity, etc.) of burgers, fries, vanilla milkshakes</a:t>
-            </a:r>
+              <a:t>hbr.org/video/2386816175001/business-analytics-defined</a:t>
+            </a:r>
+            <a:endParaRPr lang="en-US" sz="2200" dirty="0" smtClean="0">
+              <a:ea typeface="ＭＳ Ｐゴシック" pitchFamily="-106" charset="-128"/>
+            </a:endParaRPr>
+          </a:p>
+          <a:p>
+            <a:pPr lvl="1"/>
+            <a:endParaRPr lang="en-US" sz="1800" dirty="0">
+              <a:ea typeface="ＭＳ Ｐゴシック" pitchFamily="-106" charset="-128"/>
+            </a:endParaRPr>
+          </a:p>
+          <a:p>
+            <a:endParaRPr lang="en-IE" dirty="0"/>
           </a:p>
         </p:txBody>
       </p:sp>
     </p:spTree>
     <p:extLst>
       <p:ext uri="{BB962C8B-B14F-4D97-AF65-F5344CB8AC3E}">
-        <p14:creationId xmlns:p14="http://schemas.microsoft.com/office/powerpoint/2010/main" val="2572122196"/>
+        <p14:creationId xmlns:p14="http://schemas.microsoft.com/office/powerpoint/2010/main" val="3774420684"/>
       </p:ext>
     </p:extLst>
   </p:cSld>
@@ -6443,6 +6375,160 @@
       </p:grpSpPr>
       <p:sp>
         <p:nvSpPr>
+          <p:cNvPr id="25602" name="Title 1"/>
+          <p:cNvSpPr>
+            <a:spLocks noGrp="1"/>
+          </p:cNvSpPr>
+          <p:nvPr>
+            <p:ph type="title"/>
+          </p:nvPr>
+        </p:nvSpPr>
+        <p:spPr/>
+        <p:txBody>
+          <a:bodyPr/>
+          <a:lstStyle/>
+          <a:p>
+            <a:pPr eaLnBrk="1" hangingPunct="1"/>
+            <a:r>
+              <a:rPr lang="en-US" dirty="0" smtClean="0">
+                <a:ea typeface="ＭＳ Ｐゴシック" pitchFamily="-106" charset="-128"/>
+              </a:rPr>
+              <a:t>Data, Information, Knowledge</a:t>
+            </a:r>
+          </a:p>
+        </p:txBody>
+      </p:sp>
+      <p:sp>
+        <p:nvSpPr>
+          <p:cNvPr id="25603" name="Content Placeholder 2"/>
+          <p:cNvSpPr>
+            <a:spLocks noGrp="1"/>
+          </p:cNvSpPr>
+          <p:nvPr>
+            <p:ph idx="1"/>
+          </p:nvPr>
+        </p:nvSpPr>
+        <p:spPr/>
+        <p:txBody>
+          <a:bodyPr>
+            <a:normAutofit lnSpcReduction="10000"/>
+          </a:bodyPr>
+          <a:lstStyle/>
+          <a:p>
+            <a:pPr eaLnBrk="1" hangingPunct="1"/>
+            <a:r>
+              <a:rPr lang="en-US" sz="2400" dirty="0" smtClean="0">
+                <a:ea typeface="ＭＳ Ｐゴシック" pitchFamily="-106" charset="-128"/>
+              </a:rPr>
+              <a:t>Data</a:t>
+            </a:r>
+          </a:p>
+          <a:p>
+            <a:pPr lvl="1" eaLnBrk="1" hangingPunct="1"/>
+            <a:r>
+              <a:rPr lang="en-US" sz="2400" dirty="0" smtClean="0">
+                <a:ea typeface="ＭＳ Ｐゴシック" pitchFamily="-106" charset="-128"/>
+              </a:rPr>
+              <a:t>May or may not be correct</a:t>
+            </a:r>
+          </a:p>
+          <a:p>
+            <a:pPr lvl="1" eaLnBrk="1" hangingPunct="1"/>
+            <a:r>
+              <a:rPr lang="en-US" sz="2400" dirty="0" err="1" smtClean="0">
+                <a:ea typeface="ＭＳ Ｐゴシック" pitchFamily="-106" charset="-128"/>
+              </a:rPr>
+              <a:t>Eg</a:t>
+            </a:r>
+            <a:r>
+              <a:rPr lang="en-US" sz="2400" dirty="0" smtClean="0">
+                <a:ea typeface="ＭＳ Ｐゴシック" pitchFamily="-106" charset="-128"/>
+              </a:rPr>
+              <a:t>. Sales order at a restaurant included a large burger, medium fries and milkshake</a:t>
+            </a:r>
+          </a:p>
+          <a:p>
+            <a:pPr lvl="1" eaLnBrk="1" hangingPunct="1"/>
+            <a:endParaRPr lang="en-US" sz="2400" dirty="0" smtClean="0">
+              <a:ea typeface="ＭＳ Ｐゴシック" pitchFamily="-106" charset="-128"/>
+            </a:endParaRPr>
+          </a:p>
+          <a:p>
+            <a:pPr eaLnBrk="1" hangingPunct="1"/>
+            <a:r>
+              <a:rPr lang="en-US" sz="2400" dirty="0" smtClean="0">
+                <a:ea typeface="ＭＳ Ｐゴシック" pitchFamily="-106" charset="-128"/>
+              </a:rPr>
+              <a:t>Information </a:t>
+            </a:r>
+          </a:p>
+          <a:p>
+            <a:pPr lvl="1" eaLnBrk="1" hangingPunct="1"/>
+            <a:r>
+              <a:rPr lang="en-US" sz="2400" dirty="0" smtClean="0">
+                <a:ea typeface="ＭＳ Ｐゴシック" pitchFamily="-106" charset="-128"/>
+              </a:rPr>
+              <a:t>Subset of data</a:t>
+            </a:r>
+          </a:p>
+          <a:p>
+            <a:pPr lvl="1" eaLnBrk="1" hangingPunct="1"/>
+            <a:r>
+              <a:rPr lang="en-US" sz="2400" dirty="0" smtClean="0">
+                <a:ea typeface="ＭＳ Ｐゴシック" pitchFamily="-106" charset="-128"/>
+              </a:rPr>
+              <a:t>Data possessing context, relevance, and purpose</a:t>
+            </a:r>
+          </a:p>
+          <a:p>
+            <a:pPr lvl="1" eaLnBrk="1" hangingPunct="1"/>
+            <a:r>
+              <a:rPr lang="en-US" sz="2400" dirty="0" err="1" smtClean="0">
+                <a:ea typeface="ＭＳ Ｐゴシック" pitchFamily="-106" charset="-128"/>
+              </a:rPr>
+              <a:t>Eg</a:t>
+            </a:r>
+            <a:r>
+              <a:rPr lang="en-US" sz="2400" dirty="0" smtClean="0">
+                <a:ea typeface="ＭＳ Ｐゴシック" pitchFamily="-106" charset="-128"/>
+              </a:rPr>
+              <a:t>. The numbers indicating the daily sales (in dollars, quantity, etc.) of burgers, fries, vanilla milkshakes</a:t>
+            </a:r>
+          </a:p>
+        </p:txBody>
+      </p:sp>
+    </p:spTree>
+    <p:extLst>
+      <p:ext uri="{BB962C8B-B14F-4D97-AF65-F5344CB8AC3E}">
+        <p14:creationId xmlns:p14="http://schemas.microsoft.com/office/powerpoint/2010/main" val="2572122196"/>
+      </p:ext>
+    </p:extLst>
+  </p:cSld>
+  <p:clrMapOvr>
+    <a:masterClrMapping/>
+  </p:clrMapOvr>
+</p:sld>
+</file>
+
+<file path=ppt/slides/slide13.xml><?xml version="1.0" encoding="utf-8"?>
+<p:sld xmlns:a="http://schemas.openxmlformats.org/drawingml/2006/main" xmlns:r="http://schemas.openxmlformats.org/officeDocument/2006/relationships" xmlns:p="http://schemas.openxmlformats.org/presentationml/2006/main">
+  <p:cSld>
+    <p:spTree>
+      <p:nvGrpSpPr>
+        <p:cNvPr id="1" name=""/>
+        <p:cNvGrpSpPr/>
+        <p:nvPr/>
+      </p:nvGrpSpPr>
+      <p:grpSpPr>
+        <a:xfrm>
+          <a:off x="0" y="0"/>
+          <a:ext cx="0" cy="0"/>
+          <a:chOff x="0" y="0"/>
+          <a:chExt cx="0" cy="0"/>
+        </a:xfrm>
+      </p:grpSpPr>
+      <p:sp>
+        <p:nvSpPr>
           <p:cNvPr id="2" name="Title 1"/>
           <p:cNvSpPr>
             <a:spLocks noGrp="1"/>
@@ -6538,7 +6624,7 @@
 </p:sld>
 </file>
 
-<file path=ppt/slides/slide13.xml><?xml version="1.0" encoding="utf-8"?>
+<file path=ppt/slides/slide14.xml><?xml version="1.0" encoding="utf-8"?>
 <p:sld xmlns:a="http://schemas.openxmlformats.org/drawingml/2006/main" xmlns:r="http://schemas.openxmlformats.org/officeDocument/2006/relationships" xmlns:p="http://schemas.openxmlformats.org/presentationml/2006/main">
   <p:cSld>
     <p:spTree>
@@ -7541,257 +7627,6 @@
 </p:sld>
 </file>
 
-<file path=ppt/slides/slide14.xml><?xml version="1.0" encoding="utf-8"?>
-<p:sld xmlns:a="http://schemas.openxmlformats.org/drawingml/2006/main" xmlns:r="http://schemas.openxmlformats.org/officeDocument/2006/relationships" xmlns:p="http://schemas.openxmlformats.org/presentationml/2006/main">
-  <p:cSld>
-    <p:spTree>
-      <p:nvGrpSpPr>
-        <p:cNvPr id="1" name=""/>
-        <p:cNvGrpSpPr/>
-        <p:nvPr/>
-      </p:nvGrpSpPr>
-      <p:grpSpPr>
-        <a:xfrm>
-          <a:off x="0" y="0"/>
-          <a:ext cx="0" cy="0"/>
-          <a:chOff x="0" y="0"/>
-          <a:chExt cx="0" cy="0"/>
-        </a:xfrm>
-      </p:grpSpPr>
-      <p:sp>
-        <p:nvSpPr>
-          <p:cNvPr id="2" name="Title 1"/>
-          <p:cNvSpPr>
-            <a:spLocks noGrp="1"/>
-          </p:cNvSpPr>
-          <p:nvPr>
-            <p:ph type="title"/>
-          </p:nvPr>
-        </p:nvSpPr>
-        <p:spPr/>
-        <p:txBody>
-          <a:bodyPr/>
-          <a:lstStyle/>
-          <a:p>
-            <a:r>
-              <a:rPr lang="en-IE" dirty="0" smtClean="0"/>
-              <a:t>introduction</a:t>
-            </a:r>
-            <a:endParaRPr lang="en-IE" dirty="0"/>
-          </a:p>
-        </p:txBody>
-      </p:sp>
-      <p:sp>
-        <p:nvSpPr>
-          <p:cNvPr id="3" name="Content Placeholder 2"/>
-          <p:cNvSpPr>
-            <a:spLocks noGrp="1"/>
-          </p:cNvSpPr>
-          <p:nvPr>
-            <p:ph idx="1"/>
-          </p:nvPr>
-        </p:nvSpPr>
-        <p:spPr>
-          <a:xfrm>
-            <a:off x="457200" y="1752600"/>
-            <a:ext cx="3754760" cy="4373563"/>
-          </a:xfrm>
-        </p:spPr>
-        <p:txBody>
-          <a:bodyPr>
-            <a:normAutofit lnSpcReduction="10000"/>
-          </a:bodyPr>
-          <a:lstStyle/>
-          <a:p>
-            <a:r>
-              <a:rPr lang="en-IE" dirty="0" smtClean="0"/>
-              <a:t>Data analytics in use:</a:t>
-            </a:r>
-          </a:p>
-          <a:p>
-            <a:pPr lvl="1"/>
-            <a:r>
-              <a:rPr lang="en-IE" dirty="0" smtClean="0"/>
-              <a:t>CRM</a:t>
-            </a:r>
-          </a:p>
-          <a:p>
-            <a:pPr lvl="1"/>
-            <a:r>
-              <a:rPr lang="en-IE" dirty="0" smtClean="0"/>
-              <a:t>Marketing</a:t>
-            </a:r>
-          </a:p>
-          <a:p>
-            <a:pPr lvl="1"/>
-            <a:r>
-              <a:rPr lang="en-IE" dirty="0" smtClean="0"/>
-              <a:t>Production</a:t>
-            </a:r>
-          </a:p>
-          <a:p>
-            <a:pPr lvl="1"/>
-            <a:r>
-              <a:rPr lang="en-IE" dirty="0" smtClean="0"/>
-              <a:t>Logistics</a:t>
-            </a:r>
-          </a:p>
-          <a:p>
-            <a:pPr lvl="1"/>
-            <a:r>
-              <a:rPr lang="en-IE" dirty="0" smtClean="0"/>
-              <a:t>Sport</a:t>
-            </a:r>
-          </a:p>
-          <a:p>
-            <a:pPr lvl="1"/>
-            <a:r>
-              <a:rPr lang="en-IE" dirty="0" smtClean="0"/>
-              <a:t>Telecoms</a:t>
-            </a:r>
-          </a:p>
-          <a:p>
-            <a:pPr lvl="1"/>
-            <a:endParaRPr lang="en-IE" dirty="0"/>
-          </a:p>
-          <a:p>
-            <a:pPr lvl="1"/>
-            <a:endParaRPr lang="en-IE" dirty="0" smtClean="0"/>
-          </a:p>
-          <a:p>
-            <a:pPr lvl="1"/>
-            <a:r>
-              <a:rPr lang="en-IE" dirty="0" err="1" smtClean="0"/>
-              <a:t>Candycrush</a:t>
-            </a:r>
-            <a:r>
-              <a:rPr lang="en-IE" dirty="0" smtClean="0"/>
-              <a:t> 	</a:t>
-            </a:r>
-          </a:p>
-          <a:p>
-            <a:pPr lvl="1"/>
-            <a:r>
-              <a:rPr lang="en-IE" dirty="0" smtClean="0"/>
-              <a:t>Amazon</a:t>
-            </a:r>
-          </a:p>
-          <a:p>
-            <a:pPr lvl="1"/>
-            <a:r>
-              <a:rPr lang="en-IE" dirty="0" smtClean="0"/>
-              <a:t>Sailing team</a:t>
-            </a:r>
-          </a:p>
-          <a:p>
-            <a:pPr lvl="1"/>
-            <a:endParaRPr lang="en-IE" dirty="0"/>
-          </a:p>
-        </p:txBody>
-      </p:sp>
-      <p:sp>
-        <p:nvSpPr>
-          <p:cNvPr id="4" name="TextBox 3"/>
-          <p:cNvSpPr txBox="1"/>
-          <p:nvPr/>
-        </p:nvSpPr>
-        <p:spPr>
-          <a:xfrm>
-            <a:off x="4499992" y="4725144"/>
-            <a:ext cx="3816424" cy="1415772"/>
-          </a:xfrm>
-          <a:prstGeom prst="rect">
-            <a:avLst/>
-          </a:prstGeom>
-          <a:noFill/>
-        </p:spPr>
-        <p:txBody>
-          <a:bodyPr wrap="square" rtlCol="0">
-            <a:spAutoFit/>
-          </a:bodyPr>
-          <a:lstStyle/>
-          <a:p>
-            <a:pPr marL="640080" lvl="1" indent="-228600">
-              <a:spcBef>
-                <a:spcPct val="20000"/>
-              </a:spcBef>
-              <a:buClr>
-                <a:schemeClr val="accent2"/>
-              </a:buClr>
-              <a:buFont typeface="Arial" pitchFamily="34" charset="0"/>
-              <a:buChar char="•"/>
-            </a:pPr>
-            <a:r>
-              <a:rPr lang="en-IE" sz="2000" dirty="0">
-                <a:solidFill>
-                  <a:schemeClr val="tx2"/>
-                </a:solidFill>
-              </a:rPr>
-              <a:t>Banking fraud</a:t>
-            </a:r>
-          </a:p>
-          <a:p>
-            <a:pPr marL="640080" lvl="1" indent="-228600">
-              <a:spcBef>
-                <a:spcPct val="20000"/>
-              </a:spcBef>
-              <a:buClr>
-                <a:schemeClr val="accent2"/>
-              </a:buClr>
-              <a:buFont typeface="Arial" pitchFamily="34" charset="0"/>
-              <a:buChar char="•"/>
-            </a:pPr>
-            <a:r>
-              <a:rPr lang="en-IE" sz="2000" dirty="0">
-                <a:solidFill>
-                  <a:schemeClr val="tx2"/>
-                </a:solidFill>
-              </a:rPr>
-              <a:t>Health care fraud</a:t>
-            </a:r>
-          </a:p>
-          <a:p>
-            <a:pPr marL="640080" lvl="1" indent="-228600">
-              <a:spcBef>
-                <a:spcPct val="20000"/>
-              </a:spcBef>
-              <a:buClr>
-                <a:schemeClr val="accent2"/>
-              </a:buClr>
-              <a:buFont typeface="Arial" pitchFamily="34" charset="0"/>
-              <a:buChar char="•"/>
-            </a:pPr>
-            <a:r>
-              <a:rPr lang="en-IE" sz="2000" dirty="0">
-                <a:solidFill>
-                  <a:schemeClr val="tx2"/>
-                </a:solidFill>
-              </a:rPr>
-              <a:t>Social benefit fraud</a:t>
-            </a:r>
-          </a:p>
-          <a:p>
-            <a:pPr marL="285750" indent="-285750">
-              <a:buFont typeface="Arial" panose="020B0604020202020204" pitchFamily="34" charset="0"/>
-              <a:buChar char="•"/>
-            </a:pPr>
-            <a:endParaRPr lang="en-IE" dirty="0"/>
-          </a:p>
-        </p:txBody>
-      </p:sp>
-    </p:spTree>
-    <p:extLst>
-      <p:ext uri="{BB962C8B-B14F-4D97-AF65-F5344CB8AC3E}">
-        <p14:creationId xmlns:p14="http://schemas.microsoft.com/office/powerpoint/2010/main" val="813769386"/>
-      </p:ext>
-    </p:extLst>
-  </p:cSld>
-  <p:clrMapOvr>
-    <a:masterClrMapping/>
-  </p:clrMapOvr>
-</p:sld>
-</file>
-
 <file path=ppt/slides/slide15.xml><?xml version="1.0" encoding="utf-8"?>
 <p:sld xmlns:a="http://schemas.openxmlformats.org/drawingml/2006/main" xmlns:r="http://schemas.openxmlformats.org/officeDocument/2006/relationships" xmlns:p="http://schemas.openxmlformats.org/presentationml/2006/main">
   <p:cSld>
@@ -7826,7 +7661,7 @@
           <a:p>
             <a:r>
               <a:rPr lang="en-IE" dirty="0" smtClean="0"/>
-              <a:t>Data science - skills</a:t>
+              <a:t>introduction</a:t>
             </a:r>
             <a:endParaRPr lang="en-IE" dirty="0"/>
           </a:p>
@@ -7842,41 +7677,190 @@
             <p:ph idx="1"/>
           </p:nvPr>
         </p:nvSpPr>
-        <p:spPr/>
-        <p:txBody>
-          <a:bodyPr/>
+        <p:spPr>
+          <a:xfrm>
+            <a:off x="457200" y="1752600"/>
+            <a:ext cx="3754760" cy="4373563"/>
+          </a:xfrm>
+        </p:spPr>
+        <p:txBody>
+          <a:bodyPr>
+            <a:normAutofit lnSpcReduction="10000"/>
+          </a:bodyPr>
           <a:lstStyle/>
           <a:p>
             <a:r>
               <a:rPr lang="en-IE" dirty="0" smtClean="0"/>
-              <a:t>What skills are needed in the IT industry today?</a:t>
-            </a:r>
-            <a:endParaRPr lang="en-IE" dirty="0" smtClean="0">
-              <a:hlinkClick r:id="rId2"/>
-            </a:endParaRPr>
-          </a:p>
-          <a:p>
+              <a:t>Data analytics in use:</a:t>
+            </a:r>
+          </a:p>
+          <a:p>
+            <a:pPr lvl="1"/>
+            <a:r>
+              <a:rPr lang="en-IE" dirty="0" smtClean="0"/>
+              <a:t>CRM</a:t>
+            </a:r>
+          </a:p>
+          <a:p>
+            <a:pPr lvl="1"/>
+            <a:r>
+              <a:rPr lang="en-IE" dirty="0" smtClean="0"/>
+              <a:t>Marketing</a:t>
+            </a:r>
+          </a:p>
+          <a:p>
+            <a:pPr lvl="1"/>
+            <a:r>
+              <a:rPr lang="en-IE" dirty="0" smtClean="0"/>
+              <a:t>Production</a:t>
+            </a:r>
+          </a:p>
+          <a:p>
+            <a:pPr lvl="1"/>
+            <a:r>
+              <a:rPr lang="en-IE" dirty="0" smtClean="0"/>
+              <a:t>Logistics</a:t>
+            </a:r>
+          </a:p>
+          <a:p>
+            <a:pPr lvl="1"/>
+            <a:r>
+              <a:rPr lang="en-IE" dirty="0" smtClean="0"/>
+              <a:t>Sport</a:t>
+            </a:r>
+          </a:p>
+          <a:p>
+            <a:pPr lvl="1"/>
+            <a:r>
+              <a:rPr lang="en-IE" dirty="0" smtClean="0"/>
+              <a:t>Telecoms</a:t>
+            </a:r>
+          </a:p>
+          <a:p>
+            <a:pPr lvl="1"/>
             <a:endParaRPr lang="en-IE" dirty="0"/>
           </a:p>
           <a:p>
-            <a:r>
-              <a:rPr lang="en-IE" dirty="0">
-                <a:hlinkClick r:id="rId3"/>
+            <a:pPr lvl="1"/>
+            <a:endParaRPr lang="en-IE" dirty="0" smtClean="0"/>
+          </a:p>
+          <a:p>
+            <a:pPr lvl="1"/>
+            <a:r>
+              <a:rPr lang="en-IE" dirty="0" err="1" smtClean="0"/>
+              <a:t>Candycrush</a:t>
+            </a:r>
+            <a:r>
+              <a:rPr lang="en-IE" dirty="0" smtClean="0"/>
+              <a:t> 	</a:t>
+            </a:r>
+          </a:p>
+          <a:p>
+            <a:pPr lvl="1"/>
+            <a:r>
+              <a:rPr lang="en-IE" dirty="0" smtClean="0"/>
+              <a:t>Amazon</a:t>
+            </a:r>
+          </a:p>
+          <a:p>
+            <a:pPr lvl="1"/>
+            <a:r>
+              <a:rPr lang="en-IE" dirty="0" smtClean="0"/>
+              <a:t>Sailing team</a:t>
+            </a:r>
+          </a:p>
+          <a:p>
+            <a:pPr lvl="1"/>
+            <a:endParaRPr lang="en-IE" dirty="0"/>
+          </a:p>
+        </p:txBody>
+      </p:sp>
+      <p:sp>
+        <p:nvSpPr>
+          <p:cNvPr id="4" name="TextBox 3"/>
+          <p:cNvSpPr txBox="1"/>
+          <p:nvPr/>
+        </p:nvSpPr>
+        <p:spPr>
+          <a:xfrm>
+            <a:off x="4499992" y="4725144"/>
+            <a:ext cx="3816424" cy="1415772"/>
+          </a:xfrm>
+          <a:prstGeom prst="rect">
+            <a:avLst/>
+          </a:prstGeom>
+          <a:noFill/>
+        </p:spPr>
+        <p:txBody>
+          <a:bodyPr wrap="square" rtlCol="0">
+            <a:spAutoFit/>
+          </a:bodyPr>
+          <a:lstStyle/>
+          <a:p>
+            <a:pPr marL="640080" lvl="1" indent="-228600">
+              <a:spcBef>
+                <a:spcPct val="20000"/>
+              </a:spcBef>
+              <a:buClr>
+                <a:schemeClr val="accent2"/>
+              </a:buClr>
+              <a:buFont typeface="Arial" pitchFamily="34" charset="0"/>
+              <a:buChar char="•"/>
+            </a:pPr>
+            <a:r>
+              <a:rPr lang="en-IE" sz="2000" dirty="0">
+                <a:solidFill>
+                  <a:schemeClr val="tx2"/>
+                </a:solidFill>
               </a:rPr>
-              <a:t>http://</a:t>
-            </a:r>
-            <a:r>
-              <a:rPr lang="en-IE" dirty="0" smtClean="0">
-                <a:hlinkClick r:id="rId3"/>
+              <a:t>Banking fraud</a:t>
+            </a:r>
+          </a:p>
+          <a:p>
+            <a:pPr marL="640080" lvl="1" indent="-228600">
+              <a:spcBef>
+                <a:spcPct val="20000"/>
+              </a:spcBef>
+              <a:buClr>
+                <a:schemeClr val="accent2"/>
+              </a:buClr>
+              <a:buFont typeface="Arial" pitchFamily="34" charset="0"/>
+              <a:buChar char="•"/>
+            </a:pPr>
+            <a:r>
+              <a:rPr lang="en-IE" sz="2000" dirty="0">
+                <a:solidFill>
+                  <a:schemeClr val="tx2"/>
+                </a:solidFill>
               </a:rPr>
-              <a:t>www.computerworld.com/article/3012033/it-skills-training/10-hottest-tech-skills-for-2016.html</a:t>
-            </a:r>
-            <a:endParaRPr lang="en-IE" dirty="0" smtClean="0"/>
-          </a:p>
-          <a:p>
-            <a:endParaRPr lang="en-IE" dirty="0" smtClean="0"/>
-          </a:p>
-          <a:p>
+              <a:t>Health care fraud</a:t>
+            </a:r>
+          </a:p>
+          <a:p>
+            <a:pPr marL="640080" lvl="1" indent="-228600">
+              <a:spcBef>
+                <a:spcPct val="20000"/>
+              </a:spcBef>
+              <a:buClr>
+                <a:schemeClr val="accent2"/>
+              </a:buClr>
+              <a:buFont typeface="Arial" pitchFamily="34" charset="0"/>
+              <a:buChar char="•"/>
+            </a:pPr>
+            <a:r>
+              <a:rPr lang="en-IE" sz="2000" dirty="0">
+                <a:solidFill>
+                  <a:schemeClr val="tx2"/>
+                </a:solidFill>
+              </a:rPr>
+              <a:t>Social benefit fraud</a:t>
+            </a:r>
+          </a:p>
+          <a:p>
+            <a:pPr marL="285750" indent="-285750">
+              <a:buFont typeface="Arial" panose="020B0604020202020204" pitchFamily="34" charset="0"/>
+              <a:buChar char="•"/>
+            </a:pPr>
             <a:endParaRPr lang="en-IE" dirty="0"/>
           </a:p>
         </p:txBody>
@@ -7884,7 +7868,7 @@
     </p:spTree>
     <p:extLst>
       <p:ext uri="{BB962C8B-B14F-4D97-AF65-F5344CB8AC3E}">
-        <p14:creationId xmlns:p14="http://schemas.microsoft.com/office/powerpoint/2010/main" val="1078432798"/>
+        <p14:creationId xmlns:p14="http://schemas.microsoft.com/office/powerpoint/2010/main" val="813769386"/>
       </p:ext>
     </p:extLst>
   </p:cSld>
@@ -7928,7 +7912,7 @@
           <a:p>
             <a:r>
               <a:rPr lang="en-IE" dirty="0" smtClean="0"/>
-              <a:t>Business analyst</a:t>
+              <a:t>Data science - skills</a:t>
             </a:r>
             <a:endParaRPr lang="en-IE" dirty="0"/>
           </a:p>
@@ -7946,120 +7930,47 @@
         </p:nvSpPr>
         <p:spPr/>
         <p:txBody>
-          <a:bodyPr>
-            <a:normAutofit fontScale="92500"/>
-          </a:bodyPr>
-          <a:lstStyle/>
-          <a:p>
-            <a:r>
-              <a:rPr lang="en-IE" dirty="0"/>
-              <a:t>Business analysts </a:t>
-            </a:r>
+          <a:bodyPr/>
+          <a:lstStyle/>
+          <a:p>
             <a:r>
               <a:rPr lang="en-IE" dirty="0" smtClean="0"/>
-              <a:t>focus </a:t>
-            </a:r>
-            <a:r>
-              <a:rPr lang="en-IE" dirty="0"/>
-              <a:t>on database design (database </a:t>
-            </a:r>
-            <a:r>
-              <a:rPr lang="en-IE" dirty="0" err="1"/>
-              <a:t>modeling</a:t>
-            </a:r>
-            <a:r>
-              <a:rPr lang="en-IE" dirty="0"/>
-              <a:t> at a high level, </a:t>
-            </a:r>
-            <a:r>
-              <a:rPr lang="en-IE" dirty="0" smtClean="0"/>
-              <a:t>including defining </a:t>
-            </a:r>
-            <a:r>
-              <a:rPr lang="en-IE" dirty="0"/>
-              <a:t>metrics, dashboard design, retrieving and producing </a:t>
-            </a:r>
-            <a:r>
-              <a:rPr lang="en-IE" dirty="0" smtClean="0"/>
-              <a:t>executive </a:t>
-            </a:r>
-            <a:r>
-              <a:rPr lang="en-IE" dirty="0"/>
-              <a:t>reports, and designing alarm systems), ROI assessment on various </a:t>
-            </a:r>
-            <a:r>
-              <a:rPr lang="en-IE" dirty="0" smtClean="0"/>
-              <a:t>business </a:t>
-            </a:r>
-            <a:r>
-              <a:rPr lang="en-IE" dirty="0"/>
-              <a:t>projects and expenditures, and budget issues. Some work on marketing </a:t>
-            </a:r>
-            <a:r>
-              <a:rPr lang="en-IE" dirty="0" smtClean="0"/>
-              <a:t>or finance </a:t>
-            </a:r>
-            <a:r>
-              <a:rPr lang="en-IE" dirty="0"/>
-              <a:t>planning and optimization, and risk management. Many work on </a:t>
-            </a:r>
-            <a:r>
-              <a:rPr lang="en-IE" dirty="0" smtClean="0"/>
-              <a:t>high-level </a:t>
-            </a:r>
-            <a:r>
-              <a:rPr lang="en-IE" dirty="0"/>
-              <a:t>project management, reporting directly to the company’s executives</a:t>
-            </a:r>
-            <a:r>
-              <a:rPr lang="en-IE" dirty="0" smtClean="0"/>
-              <a:t>.</a:t>
-            </a:r>
-          </a:p>
-          <a:p>
-            <a:r>
-              <a:rPr lang="en-IE" dirty="0"/>
-              <a:t>In </a:t>
-            </a:r>
-            <a:r>
-              <a:rPr lang="en-IE" dirty="0" smtClean="0"/>
-              <a:t>general</a:t>
-            </a:r>
-            <a:r>
-              <a:rPr lang="en-IE" dirty="0"/>
-              <a:t>, business analysts are hired </a:t>
-            </a:r>
-            <a:r>
-              <a:rPr lang="en-IE" dirty="0" smtClean="0"/>
-              <a:t>first</a:t>
-            </a:r>
-            <a:r>
-              <a:rPr lang="en-IE" dirty="0"/>
-              <a:t>, and </a:t>
-            </a:r>
-            <a:r>
-              <a:rPr lang="en-IE" dirty="0" smtClean="0"/>
-              <a:t>if </a:t>
-            </a:r>
-            <a:r>
-              <a:rPr lang="en-IE" dirty="0"/>
-              <a:t>data and algorithms become </a:t>
-            </a:r>
-            <a:r>
-              <a:rPr lang="en-IE" dirty="0" smtClean="0"/>
-              <a:t>too </a:t>
-            </a:r>
-            <a:r>
-              <a:rPr lang="en-IE" dirty="0"/>
-              <a:t>complex, a data scientist is brought in.</a:t>
-            </a:r>
+              <a:t>What skills are needed in the IT industry today?</a:t>
+            </a:r>
+            <a:endParaRPr lang="en-IE" dirty="0" smtClean="0">
+              <a:hlinkClick r:id="rId2"/>
+            </a:endParaRPr>
+          </a:p>
+          <a:p>
+            <a:endParaRPr lang="en-IE" dirty="0"/>
+          </a:p>
+          <a:p>
+            <a:r>
+              <a:rPr lang="en-IE" dirty="0">
+                <a:hlinkClick r:id="rId3"/>
+              </a:rPr>
+              <a:t>http://</a:t>
+            </a:r>
+            <a:r>
+              <a:rPr lang="en-IE" dirty="0" smtClean="0">
+                <a:hlinkClick r:id="rId3"/>
+              </a:rPr>
+              <a:t>www.computerworld.com/article/3012033/it-skills-training/10-hottest-tech-skills-for-2016.html</a:t>
+            </a:r>
+            <a:endParaRPr lang="en-IE" dirty="0" smtClean="0"/>
+          </a:p>
+          <a:p>
+            <a:endParaRPr lang="en-IE" dirty="0" smtClean="0"/>
+          </a:p>
+          <a:p>
+            <a:endParaRPr lang="en-IE" dirty="0"/>
           </a:p>
         </p:txBody>
       </p:sp>
     </p:spTree>
     <p:extLst>
       <p:ext uri="{BB962C8B-B14F-4D97-AF65-F5344CB8AC3E}">
-        <p14:creationId xmlns:p14="http://schemas.microsoft.com/office/powerpoint/2010/main" val="3942622442"/>
+        <p14:creationId xmlns:p14="http://schemas.microsoft.com/office/powerpoint/2010/main" val="1078432798"/>
       </p:ext>
     </p:extLst>
   </p:cSld>
@@ -8103,6 +8014,181 @@
           <a:p>
             <a:r>
               <a:rPr lang="en-IE" dirty="0" smtClean="0"/>
+              <a:t>Business analyst</a:t>
+            </a:r>
+            <a:endParaRPr lang="en-IE" dirty="0"/>
+          </a:p>
+        </p:txBody>
+      </p:sp>
+      <p:sp>
+        <p:nvSpPr>
+          <p:cNvPr id="3" name="Content Placeholder 2"/>
+          <p:cNvSpPr>
+            <a:spLocks noGrp="1"/>
+          </p:cNvSpPr>
+          <p:nvPr>
+            <p:ph idx="1"/>
+          </p:nvPr>
+        </p:nvSpPr>
+        <p:spPr/>
+        <p:txBody>
+          <a:bodyPr>
+            <a:normAutofit fontScale="92500"/>
+          </a:bodyPr>
+          <a:lstStyle/>
+          <a:p>
+            <a:r>
+              <a:rPr lang="en-IE" dirty="0"/>
+              <a:t>Business analysts </a:t>
+            </a:r>
+            <a:r>
+              <a:rPr lang="en-IE" dirty="0" smtClean="0"/>
+              <a:t>focus </a:t>
+            </a:r>
+            <a:r>
+              <a:rPr lang="en-IE" dirty="0"/>
+              <a:t>on database design (database </a:t>
+            </a:r>
+            <a:r>
+              <a:rPr lang="en-IE" dirty="0" err="1"/>
+              <a:t>modeling</a:t>
+            </a:r>
+            <a:r>
+              <a:rPr lang="en-IE" dirty="0"/>
+              <a:t> at a high level, </a:t>
+            </a:r>
+            <a:r>
+              <a:rPr lang="en-IE" dirty="0" smtClean="0"/>
+              <a:t>including defining </a:t>
+            </a:r>
+            <a:r>
+              <a:rPr lang="en-IE" dirty="0"/>
+              <a:t>metrics, dashboard design, retrieving and producing </a:t>
+            </a:r>
+            <a:r>
+              <a:rPr lang="en-IE" dirty="0" smtClean="0"/>
+              <a:t>executive </a:t>
+            </a:r>
+            <a:r>
+              <a:rPr lang="en-IE" dirty="0"/>
+              <a:t>reports, and designing alarm systems), ROI assessment on various </a:t>
+            </a:r>
+            <a:r>
+              <a:rPr lang="en-IE" dirty="0" smtClean="0"/>
+              <a:t>business </a:t>
+            </a:r>
+            <a:r>
+              <a:rPr lang="en-IE" dirty="0"/>
+              <a:t>projects and expenditures, and budget issues. Some work on marketing </a:t>
+            </a:r>
+            <a:r>
+              <a:rPr lang="en-IE" dirty="0" smtClean="0"/>
+              <a:t>or finance </a:t>
+            </a:r>
+            <a:r>
+              <a:rPr lang="en-IE" dirty="0"/>
+              <a:t>planning and optimization, and risk management. Many work on </a:t>
+            </a:r>
+            <a:r>
+              <a:rPr lang="en-IE" dirty="0" smtClean="0"/>
+              <a:t>high-level </a:t>
+            </a:r>
+            <a:r>
+              <a:rPr lang="en-IE" dirty="0"/>
+              <a:t>project management, reporting directly to the company’s executives</a:t>
+            </a:r>
+            <a:r>
+              <a:rPr lang="en-IE" dirty="0" smtClean="0"/>
+              <a:t>.</a:t>
+            </a:r>
+          </a:p>
+          <a:p>
+            <a:r>
+              <a:rPr lang="en-IE" dirty="0"/>
+              <a:t>In </a:t>
+            </a:r>
+            <a:r>
+              <a:rPr lang="en-IE" dirty="0" smtClean="0"/>
+              <a:t>general</a:t>
+            </a:r>
+            <a:r>
+              <a:rPr lang="en-IE" dirty="0"/>
+              <a:t>, business analysts are hired </a:t>
+            </a:r>
+            <a:r>
+              <a:rPr lang="en-IE" dirty="0" smtClean="0"/>
+              <a:t>first</a:t>
+            </a:r>
+            <a:r>
+              <a:rPr lang="en-IE" dirty="0"/>
+              <a:t>, and </a:t>
+            </a:r>
+            <a:r>
+              <a:rPr lang="en-IE" dirty="0" smtClean="0"/>
+              <a:t>if </a:t>
+            </a:r>
+            <a:r>
+              <a:rPr lang="en-IE" dirty="0"/>
+              <a:t>data and algorithms become </a:t>
+            </a:r>
+            <a:r>
+              <a:rPr lang="en-IE" dirty="0" smtClean="0"/>
+              <a:t>too </a:t>
+            </a:r>
+            <a:r>
+              <a:rPr lang="en-IE" dirty="0"/>
+              <a:t>complex, a data scientist is brought in.</a:t>
+            </a:r>
+          </a:p>
+        </p:txBody>
+      </p:sp>
+    </p:spTree>
+    <p:extLst>
+      <p:ext uri="{BB962C8B-B14F-4D97-AF65-F5344CB8AC3E}">
+        <p14:creationId xmlns:p14="http://schemas.microsoft.com/office/powerpoint/2010/main" val="3942622442"/>
+      </p:ext>
+    </p:extLst>
+  </p:cSld>
+  <p:clrMapOvr>
+    <a:masterClrMapping/>
+  </p:clrMapOvr>
+</p:sld>
+</file>
+
+<file path=ppt/slides/slide18.xml><?xml version="1.0" encoding="utf-8"?>
+<p:sld xmlns:a="http://schemas.openxmlformats.org/drawingml/2006/main" xmlns:r="http://schemas.openxmlformats.org/officeDocument/2006/relationships" xmlns:p="http://schemas.openxmlformats.org/presentationml/2006/main">
+  <p:cSld>
+    <p:spTree>
+      <p:nvGrpSpPr>
+        <p:cNvPr id="1" name=""/>
+        <p:cNvGrpSpPr/>
+        <p:nvPr/>
+      </p:nvGrpSpPr>
+      <p:grpSpPr>
+        <a:xfrm>
+          <a:off x="0" y="0"/>
+          <a:ext cx="0" cy="0"/>
+          <a:chOff x="0" y="0"/>
+          <a:chExt cx="0" cy="0"/>
+        </a:xfrm>
+      </p:grpSpPr>
+      <p:sp>
+        <p:nvSpPr>
+          <p:cNvPr id="2" name="Title 1"/>
+          <p:cNvSpPr>
+            <a:spLocks noGrp="1"/>
+          </p:cNvSpPr>
+          <p:nvPr>
+            <p:ph type="title"/>
+          </p:nvPr>
+        </p:nvSpPr>
+        <p:spPr/>
+        <p:txBody>
+          <a:bodyPr/>
+          <a:lstStyle/>
+          <a:p>
+            <a:r>
+              <a:rPr lang="en-IE" dirty="0" smtClean="0"/>
               <a:t>Jobs</a:t>
             </a:r>
             <a:endParaRPr lang="en-IE" dirty="0"/>
@@ -8215,7 +8301,7 @@
 </p:sld>
 </file>
 
-<file path=ppt/slides/slide18.xml><?xml version="1.0" encoding="utf-8"?>
+<file path=ppt/slides/slide19.xml><?xml version="1.0" encoding="utf-8"?>
 <p:sld xmlns:a="http://schemas.openxmlformats.org/drawingml/2006/main" xmlns:r="http://schemas.openxmlformats.org/officeDocument/2006/relationships" xmlns:p="http://schemas.openxmlformats.org/presentationml/2006/main">
   <p:cSld>
     <p:spTree>
@@ -8424,15 +8510,7 @@
             <a:pPr lvl="2"/>
             <a:r>
               <a:rPr lang="en-IE" sz="1600" u="sng" dirty="0" smtClean="0"/>
-              <a:t>The new student password for </a:t>
-            </a:r>
-            <a:r>
-              <a:rPr lang="en-IE" sz="1600" u="sng" dirty="0" smtClean="0"/>
-              <a:t>2016 </a:t>
-            </a:r>
-            <a:r>
-              <a:rPr lang="en-IE" sz="1600" u="sng" dirty="0" smtClean="0"/>
-              <a:t>is:</a:t>
+              <a:t>The new student password for 2016 is:</a:t>
             </a:r>
             <a:r>
               <a:rPr lang="en-IE" sz="1600" dirty="0" smtClean="0"/>
@@ -8447,11 +8525,7 @@
           <a:p>
             <a:r>
               <a:rPr lang="en-IE" sz="2400" u="sng" dirty="0" smtClean="0"/>
-              <a:t>Labs</a:t>
-            </a:r>
-            <a:r>
-              <a:rPr lang="en-IE" sz="2400" u="sng" dirty="0" smtClean="0"/>
-              <a:t>: </a:t>
+              <a:t>Labs: </a:t>
             </a:r>
             <a:r>
               <a:rPr lang="en-IE" sz="2400" dirty="0" smtClean="0"/>
@@ -8463,15 +8537,7 @@
             </a:r>
             <a:r>
               <a:rPr lang="en-IE" sz="2400" dirty="0" smtClean="0"/>
-              <a:t> analysis: Excel, </a:t>
-            </a:r>
-            <a:r>
-              <a:rPr lang="en-IE" sz="2400" dirty="0" smtClean="0"/>
-              <a:t>Data </a:t>
-            </a:r>
-            <a:r>
-              <a:rPr lang="en-IE" sz="2400" dirty="0" smtClean="0"/>
-              <a:t>ETL &amp; Dashboard Design: </a:t>
+              <a:t> analysis: Excel, Data ETL &amp; Dashboard Design: </a:t>
             </a:r>
             <a:r>
               <a:rPr lang="en-IE" sz="2400" dirty="0" err="1" smtClean="0"/>
@@ -8567,13 +8633,8 @@
             <a:pPr lvl="1"/>
             <a:r>
               <a:rPr lang="en-IE" sz="2500" dirty="0" smtClean="0"/>
-              <a:t>Written Exam 50% - May </a:t>
-            </a:r>
-            <a:r>
-              <a:rPr lang="en-IE" sz="2500" dirty="0" smtClean="0"/>
-              <a:t>2016</a:t>
-            </a:r>
-            <a:endParaRPr lang="en-IE" sz="2500" dirty="0" smtClean="0"/>
+              <a:t>Written Exam 50% - May 2016</a:t>
+            </a:r>
           </a:p>
           <a:p>
             <a:pPr lvl="1"/>
@@ -8654,80 +8715,1718 @@
           <a:chExt cx="0" cy="0"/>
         </a:xfrm>
       </p:grpSpPr>
-      <p:sp>
-        <p:nvSpPr>
-          <p:cNvPr id="2" name="Title 1"/>
-          <p:cNvSpPr>
-            <a:spLocks noGrp="1"/>
-          </p:cNvSpPr>
-          <p:nvPr>
-            <p:ph type="title"/>
-          </p:nvPr>
-        </p:nvSpPr>
-        <p:spPr/>
-        <p:txBody>
-          <a:bodyPr/>
-          <a:lstStyle/>
-          <a:p>
-            <a:r>
-              <a:rPr lang="en-GB" dirty="0" smtClean="0"/>
-              <a:t>Module learning outcomes</a:t>
-            </a:r>
-            <a:endParaRPr lang="en-GB" dirty="0"/>
-          </a:p>
-        </p:txBody>
-      </p:sp>
-      <p:sp>
-        <p:nvSpPr>
-          <p:cNvPr id="3" name="Content Placeholder 2"/>
-          <p:cNvSpPr>
-            <a:spLocks noGrp="1"/>
-          </p:cNvSpPr>
+      <p:graphicFrame>
+        <p:nvGraphicFramePr>
+          <p:cNvPr id="6" name="Content Placeholder 5"/>
+          <p:cNvGraphicFramePr>
+            <a:graphicFrameLocks noGrp="1"/>
+          </p:cNvGraphicFramePr>
           <p:nvPr>
             <p:ph idx="1"/>
-          </p:nvPr>
-        </p:nvSpPr>
-        <p:spPr/>
-        <p:txBody>
-          <a:bodyPr/>
-          <a:lstStyle/>
-          <a:p>
-            <a:r>
-              <a:rPr lang="en-GB" dirty="0" smtClean="0"/>
-              <a:t>Identify relevant organisational data sources.</a:t>
-            </a:r>
-          </a:p>
-          <a:p>
-            <a:r>
-              <a:rPr lang="en-GB" dirty="0" smtClean="0"/>
-              <a:t>Prepare data for analysis through cleansing and transformation.</a:t>
-            </a:r>
-          </a:p>
-          <a:p>
-            <a:r>
-              <a:rPr lang="en-GB" dirty="0" smtClean="0"/>
-              <a:t>Apply the concepts of data analytics to a business data analytics project.</a:t>
-            </a:r>
-          </a:p>
-          <a:p>
-            <a:r>
-              <a:rPr lang="en-GB" dirty="0" smtClean="0"/>
-              <a:t>Identify business problems and propose data analytics solutions.</a:t>
-            </a:r>
-          </a:p>
-          <a:p>
-            <a:r>
-              <a:rPr lang="en-GB" dirty="0" smtClean="0"/>
-              <a:t>Discuss current trends in data analytics.</a:t>
-            </a:r>
-            <a:endParaRPr lang="en-GB" dirty="0"/>
-          </a:p>
-        </p:txBody>
-      </p:sp>
+            <p:extLst>
+              <p:ext uri="{D42A27DB-BD31-4B8C-83A1-F6EECF244321}">
+                <p14:modId xmlns:p14="http://schemas.microsoft.com/office/powerpoint/2010/main" val="939913677"/>
+              </p:ext>
+            </p:extLst>
+          </p:nvPr>
+        </p:nvGraphicFramePr>
+        <p:xfrm>
+          <a:off x="467544" y="404664"/>
+          <a:ext cx="8229600" cy="5941695"/>
+        </p:xfrm>
+        <a:graphic>
+          <a:graphicData uri="http://schemas.openxmlformats.org/drawingml/2006/table">
+            <a:tbl>
+              <a:tblPr firstRow="1" bandRow="1">
+                <a:tableStyleId>{5C22544A-7EE6-4342-B048-85BDC9FD1C3A}</a:tableStyleId>
+              </a:tblPr>
+              <a:tblGrid>
+                <a:gridCol w="1645920">
+                  <a:extLst>
+                    <a:ext uri="{9D8B030D-6E8A-4147-A177-3AD203B41FA5}">
+                      <a16:colId xmlns:a16="http://schemas.microsoft.com/office/drawing/2014/main" val="1171966919"/>
+                    </a:ext>
+                  </a:extLst>
+                </a:gridCol>
+                <a:gridCol w="1090384">
+                  <a:extLst>
+                    <a:ext uri="{9D8B030D-6E8A-4147-A177-3AD203B41FA5}">
+                      <a16:colId xmlns:a16="http://schemas.microsoft.com/office/drawing/2014/main" val="2264096343"/>
+                    </a:ext>
+                  </a:extLst>
+                </a:gridCol>
+                <a:gridCol w="2201456">
+                  <a:extLst>
+                    <a:ext uri="{9D8B030D-6E8A-4147-A177-3AD203B41FA5}">
+                      <a16:colId xmlns:a16="http://schemas.microsoft.com/office/drawing/2014/main" val="1063840000"/>
+                    </a:ext>
+                  </a:extLst>
+                </a:gridCol>
+                <a:gridCol w="1645920">
+                  <a:extLst>
+                    <a:ext uri="{9D8B030D-6E8A-4147-A177-3AD203B41FA5}">
+                      <a16:colId xmlns:a16="http://schemas.microsoft.com/office/drawing/2014/main" val="2901128385"/>
+                    </a:ext>
+                  </a:extLst>
+                </a:gridCol>
+                <a:gridCol w="1645920">
+                  <a:extLst>
+                    <a:ext uri="{9D8B030D-6E8A-4147-A177-3AD203B41FA5}">
+                      <a16:colId xmlns:a16="http://schemas.microsoft.com/office/drawing/2014/main" val="3261610262"/>
+                    </a:ext>
+                  </a:extLst>
+                </a:gridCol>
+              </a:tblGrid>
+              <a:tr h="370840">
+                <a:tc>
+                  <a:txBody>
+                    <a:bodyPr/>
+                    <a:lstStyle/>
+                    <a:p>
+                      <a:pPr algn="l" rtl="0" fontAlgn="ctr"/>
+                      <a:r>
+                        <a:rPr lang="en-IE" sz="1600" b="1" i="0" u="none" strike="noStrike" dirty="0">
+                          <a:solidFill>
+                            <a:srgbClr val="FFFFFF"/>
+                          </a:solidFill>
+                          <a:effectLst/>
+                          <a:latin typeface="Century Gothic" panose="020B0502020202020204" pitchFamily="34" charset="0"/>
+                        </a:rPr>
+                        <a:t>Date</a:t>
+                      </a:r>
+                    </a:p>
+                  </a:txBody>
+                  <a:tcPr marL="9525" marR="9525" marT="9525" marB="0" anchor="ctr"/>
+                </a:tc>
+                <a:tc>
+                  <a:txBody>
+                    <a:bodyPr/>
+                    <a:lstStyle/>
+                    <a:p>
+                      <a:pPr algn="l" rtl="0" fontAlgn="ctr"/>
+                      <a:r>
+                        <a:rPr lang="en-IE" sz="1600" b="1" i="0" u="none" strike="noStrike">
+                          <a:solidFill>
+                            <a:srgbClr val="FFFFFF"/>
+                          </a:solidFill>
+                          <a:effectLst/>
+                          <a:latin typeface="Century Gothic" panose="020B0502020202020204" pitchFamily="34" charset="0"/>
+                        </a:rPr>
+                        <a:t>Week</a:t>
+                      </a:r>
+                    </a:p>
+                  </a:txBody>
+                  <a:tcPr marL="9525" marR="9525" marT="9525" marB="0" anchor="ctr"/>
+                </a:tc>
+                <a:tc>
+                  <a:txBody>
+                    <a:bodyPr/>
+                    <a:lstStyle/>
+                    <a:p>
+                      <a:pPr algn="l" rtl="0" fontAlgn="ctr"/>
+                      <a:r>
+                        <a:rPr lang="en-IE" sz="1600" b="1" i="0" u="none" strike="noStrike">
+                          <a:solidFill>
+                            <a:srgbClr val="FFFFFF"/>
+                          </a:solidFill>
+                          <a:effectLst/>
+                          <a:latin typeface="Century Gothic" panose="020B0502020202020204" pitchFamily="34" charset="0"/>
+                        </a:rPr>
+                        <a:t>Topic</a:t>
+                      </a:r>
+                    </a:p>
+                  </a:txBody>
+                  <a:tcPr marL="9525" marR="9525" marT="9525" marB="0" anchor="ctr"/>
+                </a:tc>
+                <a:tc>
+                  <a:txBody>
+                    <a:bodyPr/>
+                    <a:lstStyle/>
+                    <a:p>
+                      <a:pPr algn="l" rtl="0" fontAlgn="ctr"/>
+                      <a:r>
+                        <a:rPr lang="en-IE" sz="1600" b="1" i="0" u="none" strike="noStrike">
+                          <a:solidFill>
+                            <a:srgbClr val="FFFFFF"/>
+                          </a:solidFill>
+                          <a:effectLst/>
+                          <a:latin typeface="Century Gothic" panose="020B0502020202020204" pitchFamily="34" charset="0"/>
+                        </a:rPr>
+                        <a:t>Lab</a:t>
+                      </a:r>
+                    </a:p>
+                  </a:txBody>
+                  <a:tcPr marL="9525" marR="9525" marT="9525" marB="0" anchor="ctr"/>
+                </a:tc>
+                <a:tc>
+                  <a:txBody>
+                    <a:bodyPr/>
+                    <a:lstStyle/>
+                    <a:p>
+                      <a:pPr algn="l" rtl="0" fontAlgn="ctr"/>
+                      <a:r>
+                        <a:rPr lang="en-IE" sz="1600" b="1" i="0" u="none" strike="noStrike">
+                          <a:solidFill>
+                            <a:srgbClr val="FFFFFF"/>
+                          </a:solidFill>
+                          <a:effectLst/>
+                          <a:latin typeface="Century Gothic" panose="020B0502020202020204" pitchFamily="34" charset="0"/>
+                        </a:rPr>
+                        <a:t>CA</a:t>
+                      </a:r>
+                    </a:p>
+                  </a:txBody>
+                  <a:tcPr marL="9525" marR="9525" marT="9525" marB="0" anchor="ctr"/>
+                </a:tc>
+                <a:extLst>
+                  <a:ext uri="{0D108BD9-81ED-4DB2-BD59-A6C34878D82A}">
+                    <a16:rowId xmlns:a16="http://schemas.microsoft.com/office/drawing/2014/main" val="1865967616"/>
+                  </a:ext>
+                </a:extLst>
+              </a:tr>
+              <a:tr h="370840">
+                <a:tc>
+                  <a:txBody>
+                    <a:bodyPr/>
+                    <a:lstStyle/>
+                    <a:p>
+                      <a:pPr algn="l" rtl="0" fontAlgn="ctr"/>
+                      <a:r>
+                        <a:rPr lang="en-IE" sz="1600" b="0" i="0" u="none" strike="noStrike">
+                          <a:solidFill>
+                            <a:srgbClr val="000000"/>
+                          </a:solidFill>
+                          <a:effectLst/>
+                          <a:latin typeface="Century Gothic" panose="020B0502020202020204" pitchFamily="34" charset="0"/>
+                        </a:rPr>
+                        <a:t>11/01/2016</a:t>
+                      </a:r>
+                    </a:p>
+                  </a:txBody>
+                  <a:tcPr marL="9525" marR="9525" marT="9525" marB="0" anchor="ctr"/>
+                </a:tc>
+                <a:tc>
+                  <a:txBody>
+                    <a:bodyPr/>
+                    <a:lstStyle/>
+                    <a:p>
+                      <a:pPr algn="l" rtl="0" fontAlgn="ctr"/>
+                      <a:r>
+                        <a:rPr lang="en-IE" sz="1600" b="0" i="0" u="none" strike="noStrike">
+                          <a:solidFill>
+                            <a:srgbClr val="000000"/>
+                          </a:solidFill>
+                          <a:effectLst/>
+                          <a:latin typeface="Century Gothic" panose="020B0502020202020204" pitchFamily="34" charset="0"/>
+                        </a:rPr>
+                        <a:t>1</a:t>
+                      </a:r>
+                    </a:p>
+                  </a:txBody>
+                  <a:tcPr marL="9525" marR="9525" marT="9525" marB="0" anchor="ctr"/>
+                </a:tc>
+                <a:tc>
+                  <a:txBody>
+                    <a:bodyPr/>
+                    <a:lstStyle/>
+                    <a:p>
+                      <a:pPr algn="l" rtl="0" fontAlgn="ctr"/>
+                      <a:r>
+                        <a:rPr lang="en-IE" sz="1600" b="0" i="0" u="none" strike="noStrike">
+                          <a:solidFill>
+                            <a:srgbClr val="000000"/>
+                          </a:solidFill>
+                          <a:effectLst/>
+                          <a:latin typeface="Century Gothic" panose="020B0502020202020204" pitchFamily="34" charset="0"/>
+                        </a:rPr>
+                        <a:t>1: Introduction</a:t>
+                      </a:r>
+                    </a:p>
+                  </a:txBody>
+                  <a:tcPr marL="9525" marR="9525" marT="9525" marB="0" anchor="ctr"/>
+                </a:tc>
+                <a:tc>
+                  <a:txBody>
+                    <a:bodyPr/>
+                    <a:lstStyle/>
+                    <a:p>
+                      <a:pPr algn="l" rtl="0" fontAlgn="ctr"/>
+                      <a:r>
+                        <a:rPr lang="en-IE" sz="1600" b="0" i="0" u="none" strike="noStrike">
+                          <a:solidFill>
+                            <a:srgbClr val="000000"/>
+                          </a:solidFill>
+                          <a:effectLst/>
+                          <a:latin typeface="Century Gothic" panose="020B0502020202020204" pitchFamily="34" charset="0"/>
+                        </a:rPr>
+                        <a:t>Lab1 &amp; Lab2</a:t>
+                      </a:r>
+                    </a:p>
+                  </a:txBody>
+                  <a:tcPr marL="9525" marR="9525" marT="9525" marB="0" anchor="ctr"/>
+                </a:tc>
+                <a:tc>
+                  <a:txBody>
+                    <a:bodyPr/>
+                    <a:lstStyle/>
+                    <a:p>
+                      <a:pPr algn="l" rtl="0" fontAlgn="ctr"/>
+                      <a:r>
+                        <a:rPr lang="en-IE" sz="1600" b="0" i="0" u="none" strike="noStrike">
+                          <a:solidFill>
+                            <a:srgbClr val="000000"/>
+                          </a:solidFill>
+                          <a:effectLst/>
+                          <a:latin typeface="Century Gothic" panose="020B0502020202020204" pitchFamily="34" charset="0"/>
+                        </a:rPr>
+                        <a:t> </a:t>
+                      </a:r>
+                    </a:p>
+                  </a:txBody>
+                  <a:tcPr marL="9525" marR="9525" marT="9525" marB="0" anchor="ctr"/>
+                </a:tc>
+                <a:extLst>
+                  <a:ext uri="{0D108BD9-81ED-4DB2-BD59-A6C34878D82A}">
+                    <a16:rowId xmlns:a16="http://schemas.microsoft.com/office/drawing/2014/main" val="1439167119"/>
+                  </a:ext>
+                </a:extLst>
+              </a:tr>
+              <a:tr h="370840">
+                <a:tc>
+                  <a:txBody>
+                    <a:bodyPr/>
+                    <a:lstStyle/>
+                    <a:p>
+                      <a:pPr algn="l" rtl="0" fontAlgn="ctr"/>
+                      <a:r>
+                        <a:rPr lang="en-IE" sz="1600" b="0" i="0" u="none" strike="noStrike">
+                          <a:solidFill>
+                            <a:srgbClr val="000000"/>
+                          </a:solidFill>
+                          <a:effectLst/>
+                          <a:latin typeface="Century Gothic" panose="020B0502020202020204" pitchFamily="34" charset="0"/>
+                        </a:rPr>
+                        <a:t>18/01/2016</a:t>
+                      </a:r>
+                    </a:p>
+                  </a:txBody>
+                  <a:tcPr marL="9525" marR="9525" marT="9525" marB="0" anchor="ctr"/>
+                </a:tc>
+                <a:tc>
+                  <a:txBody>
+                    <a:bodyPr/>
+                    <a:lstStyle/>
+                    <a:p>
+                      <a:pPr algn="l" rtl="0" fontAlgn="ctr"/>
+                      <a:r>
+                        <a:rPr lang="en-IE" sz="1600" b="0" i="0" u="none" strike="noStrike">
+                          <a:solidFill>
+                            <a:srgbClr val="000000"/>
+                          </a:solidFill>
+                          <a:effectLst/>
+                          <a:latin typeface="Century Gothic" panose="020B0502020202020204" pitchFamily="34" charset="0"/>
+                        </a:rPr>
+                        <a:t>2</a:t>
+                      </a:r>
+                    </a:p>
+                  </a:txBody>
+                  <a:tcPr marL="9525" marR="9525" marT="9525" marB="0" anchor="ctr"/>
+                </a:tc>
+                <a:tc>
+                  <a:txBody>
+                    <a:bodyPr/>
+                    <a:lstStyle/>
+                    <a:p>
+                      <a:pPr algn="l" rtl="0" fontAlgn="ctr"/>
+                      <a:r>
+                        <a:rPr lang="en-IE" sz="1600" b="0" i="0" u="none" strike="noStrike">
+                          <a:solidFill>
+                            <a:srgbClr val="000000"/>
+                          </a:solidFill>
+                          <a:effectLst/>
+                          <a:latin typeface="Century Gothic" panose="020B0502020202020204" pitchFamily="34" charset="0"/>
+                        </a:rPr>
+                        <a:t>2: Exploring Data</a:t>
+                      </a:r>
+                    </a:p>
+                  </a:txBody>
+                  <a:tcPr marL="9525" marR="9525" marT="9525" marB="0" anchor="ctr"/>
+                </a:tc>
+                <a:tc>
+                  <a:txBody>
+                    <a:bodyPr/>
+                    <a:lstStyle/>
+                    <a:p>
+                      <a:pPr algn="l" rtl="0" fontAlgn="ctr"/>
+                      <a:r>
+                        <a:rPr lang="en-IE" sz="1600" b="0" i="0" u="none" strike="noStrike">
+                          <a:solidFill>
+                            <a:srgbClr val="000000"/>
+                          </a:solidFill>
+                          <a:effectLst/>
+                          <a:latin typeface="Century Gothic" panose="020B0502020202020204" pitchFamily="34" charset="0"/>
+                        </a:rPr>
+                        <a:t>Lab3</a:t>
+                      </a:r>
+                    </a:p>
+                  </a:txBody>
+                  <a:tcPr marL="9525" marR="9525" marT="9525" marB="0" anchor="ctr"/>
+                </a:tc>
+                <a:tc>
+                  <a:txBody>
+                    <a:bodyPr/>
+                    <a:lstStyle/>
+                    <a:p>
+                      <a:pPr algn="l" fontAlgn="t"/>
+                      <a:r>
+                        <a:rPr lang="en-IE" sz="1600" b="0" i="0" u="none" strike="noStrike">
+                          <a:solidFill>
+                            <a:srgbClr val="000000"/>
+                          </a:solidFill>
+                          <a:effectLst/>
+                          <a:latin typeface="Arial" panose="020B0604020202020204" pitchFamily="34" charset="0"/>
+                        </a:rPr>
+                        <a:t> </a:t>
+                      </a:r>
+                    </a:p>
+                  </a:txBody>
+                  <a:tcPr marL="9525" marR="9525" marT="9525" marB="0"/>
+                </a:tc>
+                <a:extLst>
+                  <a:ext uri="{0D108BD9-81ED-4DB2-BD59-A6C34878D82A}">
+                    <a16:rowId xmlns:a16="http://schemas.microsoft.com/office/drawing/2014/main" val="3062340331"/>
+                  </a:ext>
+                </a:extLst>
+              </a:tr>
+              <a:tr h="370840">
+                <a:tc>
+                  <a:txBody>
+                    <a:bodyPr/>
+                    <a:lstStyle/>
+                    <a:p>
+                      <a:pPr algn="l" rtl="0" fontAlgn="ctr"/>
+                      <a:r>
+                        <a:rPr lang="en-IE" sz="1600" b="0" i="0" u="none" strike="noStrike">
+                          <a:solidFill>
+                            <a:srgbClr val="000000"/>
+                          </a:solidFill>
+                          <a:effectLst/>
+                          <a:latin typeface="Century Gothic" panose="020B0502020202020204" pitchFamily="34" charset="0"/>
+                        </a:rPr>
+                        <a:t>25/01/2016</a:t>
+                      </a:r>
+                    </a:p>
+                  </a:txBody>
+                  <a:tcPr marL="9525" marR="9525" marT="9525" marB="0" anchor="ctr"/>
+                </a:tc>
+                <a:tc>
+                  <a:txBody>
+                    <a:bodyPr/>
+                    <a:lstStyle/>
+                    <a:p>
+                      <a:pPr algn="l" rtl="0" fontAlgn="ctr"/>
+                      <a:r>
+                        <a:rPr lang="en-IE" sz="1600" b="0" i="0" u="none" strike="noStrike">
+                          <a:solidFill>
+                            <a:srgbClr val="000000"/>
+                          </a:solidFill>
+                          <a:effectLst/>
+                          <a:latin typeface="Century Gothic" panose="020B0502020202020204" pitchFamily="34" charset="0"/>
+                        </a:rPr>
+                        <a:t>3</a:t>
+                      </a:r>
+                    </a:p>
+                  </a:txBody>
+                  <a:tcPr marL="9525" marR="9525" marT="9525" marB="0" anchor="ctr"/>
+                </a:tc>
+                <a:tc>
+                  <a:txBody>
+                    <a:bodyPr/>
+                    <a:lstStyle/>
+                    <a:p>
+                      <a:pPr algn="l" rtl="0" fontAlgn="ctr"/>
+                      <a:r>
+                        <a:rPr lang="en-IE" sz="1600" b="0" i="0" u="none" strike="noStrike">
+                          <a:solidFill>
+                            <a:srgbClr val="000000"/>
+                          </a:solidFill>
+                          <a:effectLst/>
+                          <a:latin typeface="Century Gothic" panose="020B0502020202020204" pitchFamily="34" charset="0"/>
+                        </a:rPr>
+                        <a:t>2: Exploring Data</a:t>
+                      </a:r>
+                    </a:p>
+                  </a:txBody>
+                  <a:tcPr marL="9525" marR="9525" marT="9525" marB="0" anchor="ctr"/>
+                </a:tc>
+                <a:tc>
+                  <a:txBody>
+                    <a:bodyPr/>
+                    <a:lstStyle/>
+                    <a:p>
+                      <a:pPr algn="l" rtl="0" fontAlgn="ctr"/>
+                      <a:r>
+                        <a:rPr lang="en-IE" sz="1600" b="0" i="0" u="none" strike="noStrike">
+                          <a:solidFill>
+                            <a:srgbClr val="000000"/>
+                          </a:solidFill>
+                          <a:effectLst/>
+                          <a:latin typeface="Century Gothic" panose="020B0502020202020204" pitchFamily="34" charset="0"/>
+                        </a:rPr>
+                        <a:t>lab4</a:t>
+                      </a:r>
+                    </a:p>
+                  </a:txBody>
+                  <a:tcPr marL="9525" marR="9525" marT="9525" marB="0" anchor="ctr"/>
+                </a:tc>
+                <a:tc>
+                  <a:txBody>
+                    <a:bodyPr/>
+                    <a:lstStyle/>
+                    <a:p>
+                      <a:pPr algn="l" fontAlgn="t"/>
+                      <a:r>
+                        <a:rPr lang="en-IE" sz="1600" b="0" i="0" u="none" strike="noStrike">
+                          <a:solidFill>
+                            <a:srgbClr val="000000"/>
+                          </a:solidFill>
+                          <a:effectLst/>
+                          <a:latin typeface="Arial" panose="020B0604020202020204" pitchFamily="34" charset="0"/>
+                        </a:rPr>
+                        <a:t> </a:t>
+                      </a:r>
+                    </a:p>
+                  </a:txBody>
+                  <a:tcPr marL="9525" marR="9525" marT="9525" marB="0"/>
+                </a:tc>
+                <a:extLst>
+                  <a:ext uri="{0D108BD9-81ED-4DB2-BD59-A6C34878D82A}">
+                    <a16:rowId xmlns:a16="http://schemas.microsoft.com/office/drawing/2014/main" val="2711704620"/>
+                  </a:ext>
+                </a:extLst>
+              </a:tr>
+              <a:tr h="370840">
+                <a:tc>
+                  <a:txBody>
+                    <a:bodyPr/>
+                    <a:lstStyle/>
+                    <a:p>
+                      <a:pPr algn="l" rtl="0" fontAlgn="ctr"/>
+                      <a:r>
+                        <a:rPr lang="en-IE" sz="1600" b="0" i="0" u="none" strike="noStrike">
+                          <a:solidFill>
+                            <a:srgbClr val="000000"/>
+                          </a:solidFill>
+                          <a:effectLst/>
+                          <a:latin typeface="Century Gothic" panose="020B0502020202020204" pitchFamily="34" charset="0"/>
+                        </a:rPr>
+                        <a:t>01/02/2016</a:t>
+                      </a:r>
+                    </a:p>
+                  </a:txBody>
+                  <a:tcPr marL="9525" marR="9525" marT="9525" marB="0" anchor="ctr"/>
+                </a:tc>
+                <a:tc>
+                  <a:txBody>
+                    <a:bodyPr/>
+                    <a:lstStyle/>
+                    <a:p>
+                      <a:pPr algn="l" rtl="0" fontAlgn="ctr"/>
+                      <a:r>
+                        <a:rPr lang="en-IE" sz="1600" b="0" i="0" u="none" strike="noStrike">
+                          <a:solidFill>
+                            <a:srgbClr val="000000"/>
+                          </a:solidFill>
+                          <a:effectLst/>
+                          <a:latin typeface="Century Gothic" panose="020B0502020202020204" pitchFamily="34" charset="0"/>
+                        </a:rPr>
+                        <a:t>4</a:t>
+                      </a:r>
+                    </a:p>
+                  </a:txBody>
+                  <a:tcPr marL="9525" marR="9525" marT="9525" marB="0" anchor="ctr"/>
+                </a:tc>
+                <a:tc>
+                  <a:txBody>
+                    <a:bodyPr/>
+                    <a:lstStyle/>
+                    <a:p>
+                      <a:pPr algn="l" rtl="0" fontAlgn="ctr"/>
+                      <a:r>
+                        <a:rPr lang="en-IE" sz="1600" b="0" i="0" u="none" strike="noStrike" dirty="0">
+                          <a:solidFill>
+                            <a:srgbClr val="000000"/>
+                          </a:solidFill>
+                          <a:effectLst/>
+                          <a:latin typeface="Century Gothic" panose="020B0502020202020204" pitchFamily="34" charset="0"/>
+                        </a:rPr>
+                        <a:t>2: </a:t>
+                      </a:r>
+                      <a:r>
+                        <a:rPr lang="en-IE" sz="1600" b="0" i="0" u="none" strike="noStrike" dirty="0" smtClean="0">
+                          <a:solidFill>
+                            <a:srgbClr val="000000"/>
+                          </a:solidFill>
+                          <a:effectLst/>
+                          <a:latin typeface="Century Gothic" panose="020B0502020202020204" pitchFamily="34" charset="0"/>
+                        </a:rPr>
+                        <a:t>Data Discovery</a:t>
+                      </a:r>
+                    </a:p>
+                  </a:txBody>
+                  <a:tcPr marL="9525" marR="9525" marT="9525" marB="0" anchor="ctr"/>
+                </a:tc>
+                <a:tc>
+                  <a:txBody>
+                    <a:bodyPr/>
+                    <a:lstStyle/>
+                    <a:p>
+                      <a:pPr algn="l" rtl="0" fontAlgn="ctr"/>
+                      <a:r>
+                        <a:rPr lang="en-IE" sz="1600" b="0" i="0" u="none" strike="noStrike" dirty="0">
+                          <a:solidFill>
+                            <a:srgbClr val="000000"/>
+                          </a:solidFill>
+                          <a:effectLst/>
+                          <a:latin typeface="Century Gothic" panose="020B0502020202020204" pitchFamily="34" charset="0"/>
+                        </a:rPr>
+                        <a:t>lab5</a:t>
+                      </a:r>
+                    </a:p>
+                  </a:txBody>
+                  <a:tcPr marL="9525" marR="9525" marT="9525" marB="0" anchor="ctr"/>
+                </a:tc>
+                <a:tc>
+                  <a:txBody>
+                    <a:bodyPr/>
+                    <a:lstStyle/>
+                    <a:p>
+                      <a:pPr algn="l" fontAlgn="t"/>
+                      <a:r>
+                        <a:rPr lang="en-IE" sz="1600" b="0" i="0" u="none" strike="noStrike">
+                          <a:solidFill>
+                            <a:srgbClr val="000000"/>
+                          </a:solidFill>
+                          <a:effectLst/>
+                          <a:latin typeface="Arial" panose="020B0604020202020204" pitchFamily="34" charset="0"/>
+                        </a:rPr>
+                        <a:t> </a:t>
+                      </a:r>
+                    </a:p>
+                  </a:txBody>
+                  <a:tcPr marL="9525" marR="9525" marT="9525" marB="0"/>
+                </a:tc>
+                <a:extLst>
+                  <a:ext uri="{0D108BD9-81ED-4DB2-BD59-A6C34878D82A}">
+                    <a16:rowId xmlns:a16="http://schemas.microsoft.com/office/drawing/2014/main" val="1776029584"/>
+                  </a:ext>
+                </a:extLst>
+              </a:tr>
+              <a:tr h="370840">
+                <a:tc>
+                  <a:txBody>
+                    <a:bodyPr/>
+                    <a:lstStyle/>
+                    <a:p>
+                      <a:pPr algn="l" rtl="0" fontAlgn="ctr"/>
+                      <a:r>
+                        <a:rPr lang="en-IE" sz="1600" b="0" i="0" u="none" strike="noStrike">
+                          <a:solidFill>
+                            <a:srgbClr val="000000"/>
+                          </a:solidFill>
+                          <a:effectLst/>
+                          <a:latin typeface="Century Gothic" panose="020B0502020202020204" pitchFamily="34" charset="0"/>
+                        </a:rPr>
+                        <a:t>08/02/2016</a:t>
+                      </a:r>
+                    </a:p>
+                  </a:txBody>
+                  <a:tcPr marL="9525" marR="9525" marT="9525" marB="0" anchor="ctr"/>
+                </a:tc>
+                <a:tc>
+                  <a:txBody>
+                    <a:bodyPr/>
+                    <a:lstStyle/>
+                    <a:p>
+                      <a:pPr algn="l" rtl="0" fontAlgn="ctr"/>
+                      <a:r>
+                        <a:rPr lang="en-IE" sz="1600" b="0" i="0" u="none" strike="noStrike">
+                          <a:solidFill>
+                            <a:srgbClr val="000000"/>
+                          </a:solidFill>
+                          <a:effectLst/>
+                          <a:latin typeface="Century Gothic" panose="020B0502020202020204" pitchFamily="34" charset="0"/>
+                        </a:rPr>
+                        <a:t>5</a:t>
+                      </a:r>
+                    </a:p>
+                  </a:txBody>
+                  <a:tcPr marL="9525" marR="9525" marT="9525" marB="0" anchor="ctr"/>
+                </a:tc>
+                <a:tc>
+                  <a:txBody>
+                    <a:bodyPr/>
+                    <a:lstStyle/>
+                    <a:p>
+                      <a:pPr algn="l" rtl="0" fontAlgn="ctr"/>
+                      <a:r>
+                        <a:rPr lang="en-IE" sz="1600" b="0" i="0" u="none" strike="noStrike" dirty="0">
+                          <a:solidFill>
+                            <a:srgbClr val="000000"/>
+                          </a:solidFill>
+                          <a:effectLst/>
+                          <a:latin typeface="Century Gothic" panose="020B0502020202020204" pitchFamily="34" charset="0"/>
+                        </a:rPr>
+                        <a:t>2: </a:t>
+                      </a:r>
+                      <a:r>
+                        <a:rPr lang="en-IE" sz="1600" b="0" i="0" u="none" strike="noStrike" dirty="0" smtClean="0">
+                          <a:solidFill>
+                            <a:srgbClr val="000000"/>
+                          </a:solidFill>
+                          <a:effectLst/>
+                          <a:latin typeface="Century Gothic" panose="020B0502020202020204" pitchFamily="34" charset="0"/>
+                        </a:rPr>
+                        <a:t>Data</a:t>
+                      </a:r>
+                      <a:r>
+                        <a:rPr lang="en-IE" sz="1600" b="0" i="0" u="none" strike="noStrike" baseline="0" dirty="0" smtClean="0">
+                          <a:solidFill>
+                            <a:srgbClr val="000000"/>
+                          </a:solidFill>
+                          <a:effectLst/>
+                          <a:latin typeface="Century Gothic" panose="020B0502020202020204" pitchFamily="34" charset="0"/>
+                        </a:rPr>
+                        <a:t> Discovery</a:t>
+                      </a:r>
+                      <a:endParaRPr lang="en-IE" sz="1600" b="0" i="0" u="none" strike="noStrike" dirty="0">
+                        <a:solidFill>
+                          <a:srgbClr val="000000"/>
+                        </a:solidFill>
+                        <a:effectLst/>
+                        <a:latin typeface="Century Gothic" panose="020B0502020202020204" pitchFamily="34" charset="0"/>
+                      </a:endParaRPr>
+                    </a:p>
+                  </a:txBody>
+                  <a:tcPr marL="9525" marR="9525" marT="9525" marB="0" anchor="ctr"/>
+                </a:tc>
+                <a:tc>
+                  <a:txBody>
+                    <a:bodyPr/>
+                    <a:lstStyle/>
+                    <a:p>
+                      <a:pPr algn="l" rtl="0" fontAlgn="ctr"/>
+                      <a:r>
+                        <a:rPr lang="en-IE" sz="1600" b="0" i="0" u="none" strike="noStrike">
+                          <a:solidFill>
+                            <a:srgbClr val="000000"/>
+                          </a:solidFill>
+                          <a:effectLst/>
+                          <a:latin typeface="Century Gothic" panose="020B0502020202020204" pitchFamily="34" charset="0"/>
+                        </a:rPr>
+                        <a:t>CA lab</a:t>
+                      </a:r>
+                    </a:p>
+                  </a:txBody>
+                  <a:tcPr marL="9525" marR="9525" marT="9525" marB="0" anchor="ctr"/>
+                </a:tc>
+                <a:tc>
+                  <a:txBody>
+                    <a:bodyPr/>
+                    <a:lstStyle/>
+                    <a:p>
+                      <a:pPr algn="l" fontAlgn="t"/>
+                      <a:r>
+                        <a:rPr lang="en-IE" sz="1600" b="0" i="0" u="none" strike="noStrike">
+                          <a:solidFill>
+                            <a:srgbClr val="000000"/>
+                          </a:solidFill>
+                          <a:effectLst/>
+                          <a:latin typeface="Arial" panose="020B0604020202020204" pitchFamily="34" charset="0"/>
+                        </a:rPr>
+                        <a:t> </a:t>
+                      </a:r>
+                    </a:p>
+                  </a:txBody>
+                  <a:tcPr marL="9525" marR="9525" marT="9525" marB="0"/>
+                </a:tc>
+                <a:extLst>
+                  <a:ext uri="{0D108BD9-81ED-4DB2-BD59-A6C34878D82A}">
+                    <a16:rowId xmlns:a16="http://schemas.microsoft.com/office/drawing/2014/main" val="2208974481"/>
+                  </a:ext>
+                </a:extLst>
+              </a:tr>
+              <a:tr h="370840">
+                <a:tc>
+                  <a:txBody>
+                    <a:bodyPr/>
+                    <a:lstStyle/>
+                    <a:p>
+                      <a:pPr algn="l" rtl="0" fontAlgn="ctr"/>
+                      <a:r>
+                        <a:rPr lang="en-IE" sz="1600" b="0" i="0" u="none" strike="noStrike">
+                          <a:solidFill>
+                            <a:srgbClr val="000000"/>
+                          </a:solidFill>
+                          <a:effectLst/>
+                          <a:latin typeface="Century Gothic" panose="020B0502020202020204" pitchFamily="34" charset="0"/>
+                        </a:rPr>
+                        <a:t>15/02/2016</a:t>
+                      </a:r>
+                    </a:p>
+                  </a:txBody>
+                  <a:tcPr marL="9525" marR="9525" marT="9525" marB="0" anchor="ctr"/>
+                </a:tc>
+                <a:tc>
+                  <a:txBody>
+                    <a:bodyPr/>
+                    <a:lstStyle/>
+                    <a:p>
+                      <a:pPr algn="l" fontAlgn="t"/>
+                      <a:r>
+                        <a:rPr lang="en-IE" sz="1600" b="0" i="0" u="none" strike="noStrike">
+                          <a:solidFill>
+                            <a:srgbClr val="000000"/>
+                          </a:solidFill>
+                          <a:effectLst/>
+                          <a:latin typeface="Arial" panose="020B0604020202020204" pitchFamily="34" charset="0"/>
+                        </a:rPr>
+                        <a:t> </a:t>
+                      </a:r>
+                    </a:p>
+                  </a:txBody>
+                  <a:tcPr marL="9525" marR="9525" marT="9525" marB="0"/>
+                </a:tc>
+                <a:tc>
+                  <a:txBody>
+                    <a:bodyPr/>
+                    <a:lstStyle/>
+                    <a:p>
+                      <a:pPr algn="l" rtl="0" fontAlgn="ctr"/>
+                      <a:r>
+                        <a:rPr lang="en-IE" sz="1600" b="0" i="0" u="none" strike="noStrike">
+                          <a:solidFill>
+                            <a:srgbClr val="000000"/>
+                          </a:solidFill>
+                          <a:effectLst/>
+                          <a:latin typeface="Century Gothic" panose="020B0502020202020204" pitchFamily="34" charset="0"/>
+                        </a:rPr>
+                        <a:t>Study Week</a:t>
+                      </a:r>
+                    </a:p>
+                  </a:txBody>
+                  <a:tcPr marL="9525" marR="9525" marT="9525" marB="0" anchor="ctr"/>
+                </a:tc>
+                <a:tc>
+                  <a:txBody>
+                    <a:bodyPr/>
+                    <a:lstStyle/>
+                    <a:p>
+                      <a:pPr algn="l" rtl="0" fontAlgn="ctr"/>
+                      <a:r>
+                        <a:rPr lang="en-IE" sz="1600" b="0" i="0" u="none" strike="noStrike">
+                          <a:solidFill>
+                            <a:srgbClr val="000000"/>
+                          </a:solidFill>
+                          <a:effectLst/>
+                          <a:latin typeface="Century Gothic" panose="020B0502020202020204" pitchFamily="34" charset="0"/>
+                        </a:rPr>
+                        <a:t> </a:t>
+                      </a:r>
+                    </a:p>
+                  </a:txBody>
+                  <a:tcPr marL="9525" marR="9525" marT="9525" marB="0" anchor="ctr"/>
+                </a:tc>
+                <a:tc>
+                  <a:txBody>
+                    <a:bodyPr/>
+                    <a:lstStyle/>
+                    <a:p>
+                      <a:pPr algn="l" fontAlgn="t"/>
+                      <a:r>
+                        <a:rPr lang="en-IE" sz="1600" b="0" i="0" u="none" strike="noStrike" dirty="0">
+                          <a:solidFill>
+                            <a:srgbClr val="000000"/>
+                          </a:solidFill>
+                          <a:effectLst/>
+                          <a:latin typeface="Arial" panose="020B0604020202020204" pitchFamily="34" charset="0"/>
+                        </a:rPr>
+                        <a:t>data prep/stats 21/02/2016</a:t>
+                      </a:r>
+                    </a:p>
+                  </a:txBody>
+                  <a:tcPr marL="9525" marR="9525" marT="9525" marB="0"/>
+                </a:tc>
+                <a:extLst>
+                  <a:ext uri="{0D108BD9-81ED-4DB2-BD59-A6C34878D82A}">
+                    <a16:rowId xmlns:a16="http://schemas.microsoft.com/office/drawing/2014/main" val="3062825894"/>
+                  </a:ext>
+                </a:extLst>
+              </a:tr>
+              <a:tr h="370840">
+                <a:tc>
+                  <a:txBody>
+                    <a:bodyPr/>
+                    <a:lstStyle/>
+                    <a:p>
+                      <a:pPr algn="l" rtl="0" fontAlgn="ctr"/>
+                      <a:r>
+                        <a:rPr lang="en-IE" sz="1600" b="0" i="0" u="none" strike="noStrike">
+                          <a:solidFill>
+                            <a:srgbClr val="000000"/>
+                          </a:solidFill>
+                          <a:effectLst/>
+                          <a:latin typeface="Century Gothic" panose="020B0502020202020204" pitchFamily="34" charset="0"/>
+                        </a:rPr>
+                        <a:t>22/02/2016</a:t>
+                      </a:r>
+                    </a:p>
+                  </a:txBody>
+                  <a:tcPr marL="9525" marR="9525" marT="9525" marB="0" anchor="ctr"/>
+                </a:tc>
+                <a:tc>
+                  <a:txBody>
+                    <a:bodyPr/>
+                    <a:lstStyle/>
+                    <a:p>
+                      <a:pPr algn="l" rtl="0" fontAlgn="ctr"/>
+                      <a:r>
+                        <a:rPr lang="en-IE" sz="1600" b="0" i="0" u="none" strike="noStrike">
+                          <a:solidFill>
+                            <a:srgbClr val="000000"/>
+                          </a:solidFill>
+                          <a:effectLst/>
+                          <a:latin typeface="Century Gothic" panose="020B0502020202020204" pitchFamily="34" charset="0"/>
+                        </a:rPr>
+                        <a:t>6</a:t>
+                      </a:r>
+                    </a:p>
+                  </a:txBody>
+                  <a:tcPr marL="9525" marR="9525" marT="9525" marB="0" anchor="ctr"/>
+                </a:tc>
+                <a:tc>
+                  <a:txBody>
+                    <a:bodyPr/>
+                    <a:lstStyle/>
+                    <a:p>
+                      <a:pPr algn="l" rtl="0" fontAlgn="ctr"/>
+                      <a:r>
+                        <a:rPr lang="en-IE" sz="1600" b="0" i="0" u="none" strike="noStrike">
+                          <a:solidFill>
+                            <a:srgbClr val="000000"/>
+                          </a:solidFill>
+                          <a:effectLst/>
+                          <a:latin typeface="Century Gothic" panose="020B0502020202020204" pitchFamily="34" charset="0"/>
+                        </a:rPr>
+                        <a:t>Big Data/ Advanced Data analytics</a:t>
+                      </a:r>
+                    </a:p>
+                  </a:txBody>
+                  <a:tcPr marL="9525" marR="9525" marT="9525" marB="0" anchor="ctr"/>
+                </a:tc>
+                <a:tc>
+                  <a:txBody>
+                    <a:bodyPr/>
+                    <a:lstStyle/>
+                    <a:p>
+                      <a:pPr algn="l" rtl="0" fontAlgn="ctr"/>
+                      <a:r>
+                        <a:rPr lang="en-IE" sz="1600" b="0" i="0" u="none" strike="noStrike">
+                          <a:solidFill>
+                            <a:srgbClr val="000000"/>
+                          </a:solidFill>
+                          <a:effectLst/>
+                          <a:latin typeface="Century Gothic" panose="020B0502020202020204" pitchFamily="34" charset="0"/>
+                        </a:rPr>
+                        <a:t>lab6</a:t>
+                      </a:r>
+                    </a:p>
+                  </a:txBody>
+                  <a:tcPr marL="9525" marR="9525" marT="9525" marB="0" anchor="ctr"/>
+                </a:tc>
+                <a:tc>
+                  <a:txBody>
+                    <a:bodyPr/>
+                    <a:lstStyle/>
+                    <a:p>
+                      <a:pPr algn="l" fontAlgn="t"/>
+                      <a:r>
+                        <a:rPr lang="en-IE" sz="1600" b="0" i="0" u="none" strike="noStrike">
+                          <a:solidFill>
+                            <a:srgbClr val="000000"/>
+                          </a:solidFill>
+                          <a:effectLst/>
+                          <a:latin typeface="Arial" panose="020B0604020202020204" pitchFamily="34" charset="0"/>
+                        </a:rPr>
+                        <a:t> </a:t>
+                      </a:r>
+                    </a:p>
+                  </a:txBody>
+                  <a:tcPr marL="9525" marR="9525" marT="9525" marB="0"/>
+                </a:tc>
+                <a:extLst>
+                  <a:ext uri="{0D108BD9-81ED-4DB2-BD59-A6C34878D82A}">
+                    <a16:rowId xmlns:a16="http://schemas.microsoft.com/office/drawing/2014/main" val="302637808"/>
+                  </a:ext>
+                </a:extLst>
+              </a:tr>
+              <a:tr h="370840">
+                <a:tc>
+                  <a:txBody>
+                    <a:bodyPr/>
+                    <a:lstStyle/>
+                    <a:p>
+                      <a:pPr algn="l" rtl="0" fontAlgn="ctr"/>
+                      <a:r>
+                        <a:rPr lang="en-IE" sz="1600" b="0" i="0" u="none" strike="noStrike">
+                          <a:solidFill>
+                            <a:srgbClr val="000000"/>
+                          </a:solidFill>
+                          <a:effectLst/>
+                          <a:latin typeface="Century Gothic" panose="020B0502020202020204" pitchFamily="34" charset="0"/>
+                        </a:rPr>
+                        <a:t>29/02/2016</a:t>
+                      </a:r>
+                    </a:p>
+                  </a:txBody>
+                  <a:tcPr marL="9525" marR="9525" marT="9525" marB="0" anchor="ctr"/>
+                </a:tc>
+                <a:tc>
+                  <a:txBody>
+                    <a:bodyPr/>
+                    <a:lstStyle/>
+                    <a:p>
+                      <a:pPr algn="l" rtl="0" fontAlgn="ctr"/>
+                      <a:r>
+                        <a:rPr lang="en-IE" sz="1600" b="0" i="0" u="none" strike="noStrike">
+                          <a:solidFill>
+                            <a:srgbClr val="000000"/>
+                          </a:solidFill>
+                          <a:effectLst/>
+                          <a:latin typeface="Century Gothic" panose="020B0502020202020204" pitchFamily="34" charset="0"/>
+                        </a:rPr>
+                        <a:t>7</a:t>
+                      </a:r>
+                    </a:p>
+                  </a:txBody>
+                  <a:tcPr marL="9525" marR="9525" marT="9525" marB="0" anchor="ctr"/>
+                </a:tc>
+                <a:tc>
+                  <a:txBody>
+                    <a:bodyPr/>
+                    <a:lstStyle/>
+                    <a:p>
+                      <a:pPr algn="l" rtl="0" fontAlgn="ctr"/>
+                      <a:r>
+                        <a:rPr lang="en-IE" sz="1600" b="0" i="0" u="none" strike="noStrike">
+                          <a:solidFill>
+                            <a:srgbClr val="000000"/>
+                          </a:solidFill>
+                          <a:effectLst/>
+                          <a:latin typeface="Century Gothic" panose="020B0502020202020204" pitchFamily="34" charset="0"/>
+                        </a:rPr>
+                        <a:t>Data Visualisation</a:t>
+                      </a:r>
+                    </a:p>
+                  </a:txBody>
+                  <a:tcPr marL="9525" marR="9525" marT="9525" marB="0" anchor="ctr"/>
+                </a:tc>
+                <a:tc>
+                  <a:txBody>
+                    <a:bodyPr/>
+                    <a:lstStyle/>
+                    <a:p>
+                      <a:pPr algn="l" rtl="0" fontAlgn="ctr"/>
+                      <a:r>
+                        <a:rPr lang="en-IE" sz="1600" b="0" i="0" u="none" strike="noStrike">
+                          <a:solidFill>
+                            <a:srgbClr val="000000"/>
+                          </a:solidFill>
+                          <a:effectLst/>
+                          <a:latin typeface="Century Gothic" panose="020B0502020202020204" pitchFamily="34" charset="0"/>
+                        </a:rPr>
+                        <a:t>lab7</a:t>
+                      </a:r>
+                    </a:p>
+                  </a:txBody>
+                  <a:tcPr marL="9525" marR="9525" marT="9525" marB="0" anchor="ctr"/>
+                </a:tc>
+                <a:tc>
+                  <a:txBody>
+                    <a:bodyPr/>
+                    <a:lstStyle/>
+                    <a:p>
+                      <a:pPr algn="l" rtl="0" fontAlgn="ctr"/>
+                      <a:r>
+                        <a:rPr lang="en-IE" sz="1600" b="0" i="0" u="none" strike="noStrike">
+                          <a:solidFill>
+                            <a:srgbClr val="000000"/>
+                          </a:solidFill>
+                          <a:effectLst/>
+                          <a:latin typeface="Century Gothic" panose="020B0502020202020204" pitchFamily="34" charset="0"/>
+                        </a:rPr>
+                        <a:t> </a:t>
+                      </a:r>
+                    </a:p>
+                  </a:txBody>
+                  <a:tcPr marL="9525" marR="9525" marT="9525" marB="0" anchor="ctr"/>
+                </a:tc>
+                <a:extLst>
+                  <a:ext uri="{0D108BD9-81ED-4DB2-BD59-A6C34878D82A}">
+                    <a16:rowId xmlns:a16="http://schemas.microsoft.com/office/drawing/2014/main" val="1642674564"/>
+                  </a:ext>
+                </a:extLst>
+              </a:tr>
+              <a:tr h="370840">
+                <a:tc>
+                  <a:txBody>
+                    <a:bodyPr/>
+                    <a:lstStyle/>
+                    <a:p>
+                      <a:pPr algn="l" rtl="0" fontAlgn="ctr"/>
+                      <a:r>
+                        <a:rPr lang="en-IE" sz="1600" b="0" i="0" u="none" strike="noStrike">
+                          <a:solidFill>
+                            <a:srgbClr val="000000"/>
+                          </a:solidFill>
+                          <a:effectLst/>
+                          <a:latin typeface="Century Gothic" panose="020B0502020202020204" pitchFamily="34" charset="0"/>
+                        </a:rPr>
+                        <a:t>07/03/2016</a:t>
+                      </a:r>
+                    </a:p>
+                  </a:txBody>
+                  <a:tcPr marL="9525" marR="9525" marT="9525" marB="0" anchor="ctr"/>
+                </a:tc>
+                <a:tc>
+                  <a:txBody>
+                    <a:bodyPr/>
+                    <a:lstStyle/>
+                    <a:p>
+                      <a:pPr algn="l" rtl="0" fontAlgn="ctr"/>
+                      <a:r>
+                        <a:rPr lang="en-IE" sz="1600" b="0" i="0" u="none" strike="noStrike">
+                          <a:solidFill>
+                            <a:srgbClr val="000000"/>
+                          </a:solidFill>
+                          <a:effectLst/>
+                          <a:latin typeface="Century Gothic" panose="020B0502020202020204" pitchFamily="34" charset="0"/>
+                        </a:rPr>
+                        <a:t>8</a:t>
+                      </a:r>
+                    </a:p>
+                  </a:txBody>
+                  <a:tcPr marL="9525" marR="9525" marT="9525" marB="0" anchor="ctr"/>
+                </a:tc>
+                <a:tc>
+                  <a:txBody>
+                    <a:bodyPr/>
+                    <a:lstStyle/>
+                    <a:p>
+                      <a:pPr algn="l" rtl="0" fontAlgn="ctr"/>
+                      <a:r>
+                        <a:rPr lang="en-IE" sz="1600" b="0" i="0" u="none" strike="noStrike">
+                          <a:solidFill>
+                            <a:srgbClr val="000000"/>
+                          </a:solidFill>
+                          <a:effectLst/>
+                          <a:latin typeface="Century Gothic" panose="020B0502020202020204" pitchFamily="34" charset="0"/>
+                        </a:rPr>
+                        <a:t>Data Visualisation</a:t>
+                      </a:r>
+                    </a:p>
+                  </a:txBody>
+                  <a:tcPr marL="9525" marR="9525" marT="9525" marB="0" anchor="ctr"/>
+                </a:tc>
+                <a:tc>
+                  <a:txBody>
+                    <a:bodyPr/>
+                    <a:lstStyle/>
+                    <a:p>
+                      <a:pPr algn="l" rtl="0" fontAlgn="ctr"/>
+                      <a:r>
+                        <a:rPr lang="en-IE" sz="1600" b="0" i="0" u="none" strike="noStrike">
+                          <a:solidFill>
+                            <a:srgbClr val="000000"/>
+                          </a:solidFill>
+                          <a:effectLst/>
+                          <a:latin typeface="Century Gothic" panose="020B0502020202020204" pitchFamily="34" charset="0"/>
+                        </a:rPr>
+                        <a:t>lab8</a:t>
+                      </a:r>
+                    </a:p>
+                  </a:txBody>
+                  <a:tcPr marL="9525" marR="9525" marT="9525" marB="0" anchor="ctr"/>
+                </a:tc>
+                <a:tc>
+                  <a:txBody>
+                    <a:bodyPr/>
+                    <a:lstStyle/>
+                    <a:p>
+                      <a:pPr algn="l" fontAlgn="t"/>
+                      <a:r>
+                        <a:rPr lang="en-IE" sz="1600" b="0" i="0" u="none" strike="noStrike">
+                          <a:solidFill>
+                            <a:srgbClr val="000000"/>
+                          </a:solidFill>
+                          <a:effectLst/>
+                          <a:latin typeface="Arial" panose="020B0604020202020204" pitchFamily="34" charset="0"/>
+                        </a:rPr>
+                        <a:t> </a:t>
+                      </a:r>
+                    </a:p>
+                  </a:txBody>
+                  <a:tcPr marL="9525" marR="9525" marT="9525" marB="0"/>
+                </a:tc>
+                <a:extLst>
+                  <a:ext uri="{0D108BD9-81ED-4DB2-BD59-A6C34878D82A}">
+                    <a16:rowId xmlns:a16="http://schemas.microsoft.com/office/drawing/2014/main" val="479549825"/>
+                  </a:ext>
+                </a:extLst>
+              </a:tr>
+              <a:tr h="370840">
+                <a:tc>
+                  <a:txBody>
+                    <a:bodyPr/>
+                    <a:lstStyle/>
+                    <a:p>
+                      <a:pPr algn="l" rtl="0" fontAlgn="ctr"/>
+                      <a:r>
+                        <a:rPr lang="en-IE" sz="1600" b="0" i="0" u="none" strike="noStrike">
+                          <a:solidFill>
+                            <a:srgbClr val="000000"/>
+                          </a:solidFill>
+                          <a:effectLst/>
+                          <a:latin typeface="Century Gothic" panose="020B0502020202020204" pitchFamily="34" charset="0"/>
+                        </a:rPr>
+                        <a:t>14/03/2016</a:t>
+                      </a:r>
+                    </a:p>
+                  </a:txBody>
+                  <a:tcPr marL="9525" marR="9525" marT="9525" marB="0" anchor="ctr"/>
+                </a:tc>
+                <a:tc>
+                  <a:txBody>
+                    <a:bodyPr/>
+                    <a:lstStyle/>
+                    <a:p>
+                      <a:pPr algn="l" rtl="0" fontAlgn="ctr"/>
+                      <a:r>
+                        <a:rPr lang="en-IE" sz="1600" b="0" i="0" u="none" strike="noStrike">
+                          <a:solidFill>
+                            <a:srgbClr val="000000"/>
+                          </a:solidFill>
+                          <a:effectLst/>
+                          <a:latin typeface="Century Gothic" panose="020B0502020202020204" pitchFamily="34" charset="0"/>
+                        </a:rPr>
+                        <a:t>9</a:t>
+                      </a:r>
+                    </a:p>
+                  </a:txBody>
+                  <a:tcPr marL="9525" marR="9525" marT="9525" marB="0" anchor="ctr"/>
+                </a:tc>
+                <a:tc>
+                  <a:txBody>
+                    <a:bodyPr/>
+                    <a:lstStyle/>
+                    <a:p>
+                      <a:pPr algn="l" rtl="0" fontAlgn="ctr"/>
+                      <a:r>
+                        <a:rPr lang="en-IE" sz="1600" b="0" i="0" u="none" strike="noStrike">
+                          <a:solidFill>
+                            <a:srgbClr val="000000"/>
+                          </a:solidFill>
+                          <a:effectLst/>
+                          <a:latin typeface="Century Gothic" panose="020B0502020202020204" pitchFamily="34" charset="0"/>
+                        </a:rPr>
+                        <a:t>Business Analytics</a:t>
+                      </a:r>
+                    </a:p>
+                  </a:txBody>
+                  <a:tcPr marL="9525" marR="9525" marT="9525" marB="0" anchor="ctr"/>
+                </a:tc>
+                <a:tc>
+                  <a:txBody>
+                    <a:bodyPr/>
+                    <a:lstStyle/>
+                    <a:p>
+                      <a:pPr algn="l" rtl="0" fontAlgn="ctr"/>
+                      <a:r>
+                        <a:rPr lang="en-IE" sz="1600" b="0" i="0" u="none" strike="noStrike">
+                          <a:solidFill>
+                            <a:srgbClr val="000000"/>
+                          </a:solidFill>
+                          <a:effectLst/>
+                          <a:latin typeface="Century Gothic" panose="020B0502020202020204" pitchFamily="34" charset="0"/>
+                        </a:rPr>
+                        <a:t>lab9</a:t>
+                      </a:r>
+                    </a:p>
+                  </a:txBody>
+                  <a:tcPr marL="9525" marR="9525" marT="9525" marB="0" anchor="ctr"/>
+                </a:tc>
+                <a:tc>
+                  <a:txBody>
+                    <a:bodyPr/>
+                    <a:lstStyle/>
+                    <a:p>
+                      <a:pPr algn="l" fontAlgn="t"/>
+                      <a:r>
+                        <a:rPr lang="en-IE" sz="1600" b="0" i="0" u="none" strike="noStrike">
+                          <a:solidFill>
+                            <a:srgbClr val="000000"/>
+                          </a:solidFill>
+                          <a:effectLst/>
+                          <a:latin typeface="Arial" panose="020B0604020202020204" pitchFamily="34" charset="0"/>
+                        </a:rPr>
+                        <a:t> </a:t>
+                      </a:r>
+                    </a:p>
+                  </a:txBody>
+                  <a:tcPr marL="9525" marR="9525" marT="9525" marB="0"/>
+                </a:tc>
+                <a:extLst>
+                  <a:ext uri="{0D108BD9-81ED-4DB2-BD59-A6C34878D82A}">
+                    <a16:rowId xmlns:a16="http://schemas.microsoft.com/office/drawing/2014/main" val="2726125248"/>
+                  </a:ext>
+                </a:extLst>
+              </a:tr>
+              <a:tr h="370840">
+                <a:tc>
+                  <a:txBody>
+                    <a:bodyPr/>
+                    <a:lstStyle/>
+                    <a:p>
+                      <a:pPr algn="l" rtl="0" fontAlgn="ctr"/>
+                      <a:r>
+                        <a:rPr lang="en-IE" sz="1600" b="0" i="0" u="none" strike="noStrike">
+                          <a:solidFill>
+                            <a:srgbClr val="000000"/>
+                          </a:solidFill>
+                          <a:effectLst/>
+                          <a:latin typeface="Century Gothic" panose="020B0502020202020204" pitchFamily="34" charset="0"/>
+                        </a:rPr>
+                        <a:t>21/03/2016</a:t>
+                      </a:r>
+                    </a:p>
+                  </a:txBody>
+                  <a:tcPr marL="9525" marR="9525" marT="9525" marB="0" anchor="ctr"/>
+                </a:tc>
+                <a:tc>
+                  <a:txBody>
+                    <a:bodyPr/>
+                    <a:lstStyle/>
+                    <a:p>
+                      <a:pPr algn="l" rtl="0" fontAlgn="ctr"/>
+                      <a:r>
+                        <a:rPr lang="en-IE" sz="1600" b="0" i="0" u="none" strike="noStrike">
+                          <a:solidFill>
+                            <a:srgbClr val="000000"/>
+                          </a:solidFill>
+                          <a:effectLst/>
+                          <a:latin typeface="Century Gothic" panose="020B0502020202020204" pitchFamily="34" charset="0"/>
+                        </a:rPr>
+                        <a:t> </a:t>
+                      </a:r>
+                    </a:p>
+                  </a:txBody>
+                  <a:tcPr marL="9525" marR="9525" marT="9525" marB="0" anchor="ctr"/>
+                </a:tc>
+                <a:tc>
+                  <a:txBody>
+                    <a:bodyPr/>
+                    <a:lstStyle/>
+                    <a:p>
+                      <a:pPr algn="l" rtl="0" fontAlgn="ctr"/>
+                      <a:r>
+                        <a:rPr lang="en-IE" sz="1600" b="0" i="0" u="none" strike="noStrike">
+                          <a:solidFill>
+                            <a:srgbClr val="000000"/>
+                          </a:solidFill>
+                          <a:effectLst/>
+                          <a:latin typeface="Century Gothic" panose="020B0502020202020204" pitchFamily="34" charset="0"/>
+                        </a:rPr>
+                        <a:t>Study Week</a:t>
+                      </a:r>
+                    </a:p>
+                  </a:txBody>
+                  <a:tcPr marL="9525" marR="9525" marT="9525" marB="0" anchor="ctr"/>
+                </a:tc>
+                <a:tc>
+                  <a:txBody>
+                    <a:bodyPr/>
+                    <a:lstStyle/>
+                    <a:p>
+                      <a:pPr algn="l" rtl="0" fontAlgn="ctr"/>
+                      <a:r>
+                        <a:rPr lang="en-IE" sz="1600" b="0" i="0" u="none" strike="noStrike">
+                          <a:solidFill>
+                            <a:srgbClr val="000000"/>
+                          </a:solidFill>
+                          <a:effectLst/>
+                          <a:latin typeface="Century Gothic" panose="020B0502020202020204" pitchFamily="34" charset="0"/>
+                        </a:rPr>
+                        <a:t> </a:t>
+                      </a:r>
+                    </a:p>
+                  </a:txBody>
+                  <a:tcPr marL="9525" marR="9525" marT="9525" marB="0" anchor="ctr"/>
+                </a:tc>
+                <a:tc>
+                  <a:txBody>
+                    <a:bodyPr/>
+                    <a:lstStyle/>
+                    <a:p>
+                      <a:pPr algn="l" fontAlgn="t"/>
+                      <a:r>
+                        <a:rPr lang="en-IE" sz="1600" b="0" i="0" u="none" strike="noStrike">
+                          <a:solidFill>
+                            <a:srgbClr val="000000"/>
+                          </a:solidFill>
+                          <a:effectLst/>
+                          <a:latin typeface="Arial" panose="020B0604020202020204" pitchFamily="34" charset="0"/>
+                        </a:rPr>
+                        <a:t> </a:t>
+                      </a:r>
+                    </a:p>
+                  </a:txBody>
+                  <a:tcPr marL="9525" marR="9525" marT="9525" marB="0"/>
+                </a:tc>
+                <a:extLst>
+                  <a:ext uri="{0D108BD9-81ED-4DB2-BD59-A6C34878D82A}">
+                    <a16:rowId xmlns:a16="http://schemas.microsoft.com/office/drawing/2014/main" val="3628474236"/>
+                  </a:ext>
+                </a:extLst>
+              </a:tr>
+              <a:tr h="370840">
+                <a:tc>
+                  <a:txBody>
+                    <a:bodyPr/>
+                    <a:lstStyle/>
+                    <a:p>
+                      <a:pPr algn="l" rtl="0" fontAlgn="ctr"/>
+                      <a:r>
+                        <a:rPr lang="en-IE" sz="1600" b="0" i="0" u="none" strike="noStrike">
+                          <a:solidFill>
+                            <a:srgbClr val="000000"/>
+                          </a:solidFill>
+                          <a:effectLst/>
+                          <a:latin typeface="Century Gothic" panose="020B0502020202020204" pitchFamily="34" charset="0"/>
+                        </a:rPr>
+                        <a:t>28/03/2016</a:t>
+                      </a:r>
+                    </a:p>
+                  </a:txBody>
+                  <a:tcPr marL="9525" marR="9525" marT="9525" marB="0" anchor="ctr"/>
+                </a:tc>
+                <a:tc>
+                  <a:txBody>
+                    <a:bodyPr/>
+                    <a:lstStyle/>
+                    <a:p>
+                      <a:pPr algn="l" rtl="0" fontAlgn="ctr"/>
+                      <a:r>
+                        <a:rPr lang="en-IE" sz="1600" b="0" i="0" u="none" strike="noStrike">
+                          <a:solidFill>
+                            <a:srgbClr val="000000"/>
+                          </a:solidFill>
+                          <a:effectLst/>
+                          <a:latin typeface="Century Gothic" panose="020B0502020202020204" pitchFamily="34" charset="0"/>
+                        </a:rPr>
+                        <a:t>10</a:t>
+                      </a:r>
+                    </a:p>
+                  </a:txBody>
+                  <a:tcPr marL="9525" marR="9525" marT="9525" marB="0" anchor="ctr"/>
+                </a:tc>
+                <a:tc>
+                  <a:txBody>
+                    <a:bodyPr/>
+                    <a:lstStyle/>
+                    <a:p>
+                      <a:pPr algn="l" rtl="0" fontAlgn="ctr"/>
+                      <a:r>
+                        <a:rPr lang="en-IE" sz="1600" b="0" i="0" u="none" strike="noStrike">
+                          <a:solidFill>
+                            <a:srgbClr val="000000"/>
+                          </a:solidFill>
+                          <a:effectLst/>
+                          <a:latin typeface="Century Gothic" panose="020B0502020202020204" pitchFamily="34" charset="0"/>
+                        </a:rPr>
+                        <a:t>Business Analytics</a:t>
+                      </a:r>
+                    </a:p>
+                  </a:txBody>
+                  <a:tcPr marL="9525" marR="9525" marT="9525" marB="0" anchor="ctr"/>
+                </a:tc>
+                <a:tc>
+                  <a:txBody>
+                    <a:bodyPr/>
+                    <a:lstStyle/>
+                    <a:p>
+                      <a:pPr algn="l" rtl="0" fontAlgn="ctr"/>
+                      <a:r>
+                        <a:rPr lang="en-IE" sz="1600" b="0" i="0" u="none" strike="noStrike">
+                          <a:solidFill>
+                            <a:srgbClr val="000000"/>
+                          </a:solidFill>
+                          <a:effectLst/>
+                          <a:latin typeface="Century Gothic" panose="020B0502020202020204" pitchFamily="34" charset="0"/>
+                        </a:rPr>
+                        <a:t>lab10</a:t>
+                      </a:r>
+                    </a:p>
+                  </a:txBody>
+                  <a:tcPr marL="9525" marR="9525" marT="9525" marB="0" anchor="ctr"/>
+                </a:tc>
+                <a:tc>
+                  <a:txBody>
+                    <a:bodyPr/>
+                    <a:lstStyle/>
+                    <a:p>
+                      <a:pPr algn="l" fontAlgn="t"/>
+                      <a:r>
+                        <a:rPr lang="en-IE" sz="1600" b="0" i="0" u="none" strike="noStrike">
+                          <a:solidFill>
+                            <a:srgbClr val="000000"/>
+                          </a:solidFill>
+                          <a:effectLst/>
+                          <a:latin typeface="Arial" panose="020B0604020202020204" pitchFamily="34" charset="0"/>
+                        </a:rPr>
+                        <a:t> </a:t>
+                      </a:r>
+                    </a:p>
+                  </a:txBody>
+                  <a:tcPr marL="9525" marR="9525" marT="9525" marB="0"/>
+                </a:tc>
+                <a:extLst>
+                  <a:ext uri="{0D108BD9-81ED-4DB2-BD59-A6C34878D82A}">
+                    <a16:rowId xmlns:a16="http://schemas.microsoft.com/office/drawing/2014/main" val="2365952773"/>
+                  </a:ext>
+                </a:extLst>
+              </a:tr>
+              <a:tr h="370840">
+                <a:tc>
+                  <a:txBody>
+                    <a:bodyPr/>
+                    <a:lstStyle/>
+                    <a:p>
+                      <a:pPr algn="l" rtl="0" fontAlgn="ctr"/>
+                      <a:r>
+                        <a:rPr lang="en-IE" sz="1600" b="0" i="0" u="none" strike="noStrike">
+                          <a:solidFill>
+                            <a:srgbClr val="000000"/>
+                          </a:solidFill>
+                          <a:effectLst/>
+                          <a:latin typeface="Century Gothic" panose="020B0502020202020204" pitchFamily="34" charset="0"/>
+                        </a:rPr>
+                        <a:t>04/04/2016</a:t>
+                      </a:r>
+                    </a:p>
+                  </a:txBody>
+                  <a:tcPr marL="9525" marR="9525" marT="9525" marB="0" anchor="ctr"/>
+                </a:tc>
+                <a:tc>
+                  <a:txBody>
+                    <a:bodyPr/>
+                    <a:lstStyle/>
+                    <a:p>
+                      <a:pPr algn="l" rtl="0" fontAlgn="ctr"/>
+                      <a:r>
+                        <a:rPr lang="en-IE" sz="1600" b="0" i="0" u="none" strike="noStrike">
+                          <a:solidFill>
+                            <a:srgbClr val="000000"/>
+                          </a:solidFill>
+                          <a:effectLst/>
+                          <a:latin typeface="Century Gothic" panose="020B0502020202020204" pitchFamily="34" charset="0"/>
+                        </a:rPr>
+                        <a:t>11</a:t>
+                      </a:r>
+                    </a:p>
+                  </a:txBody>
+                  <a:tcPr marL="9525" marR="9525" marT="9525" marB="0" anchor="ctr"/>
+                </a:tc>
+                <a:tc>
+                  <a:txBody>
+                    <a:bodyPr/>
+                    <a:lstStyle/>
+                    <a:p>
+                      <a:pPr algn="l" rtl="0" fontAlgn="ctr"/>
+                      <a:r>
+                        <a:rPr lang="en-IE" sz="1600" b="0" i="0" u="none" strike="noStrike">
+                          <a:solidFill>
+                            <a:srgbClr val="000000"/>
+                          </a:solidFill>
+                          <a:effectLst/>
+                          <a:latin typeface="Century Gothic" panose="020B0502020202020204" pitchFamily="34" charset="0"/>
+                        </a:rPr>
+                        <a:t>Modelling and Decision Trees</a:t>
+                      </a:r>
+                    </a:p>
+                  </a:txBody>
+                  <a:tcPr marL="9525" marR="9525" marT="9525" marB="0" anchor="ctr"/>
+                </a:tc>
+                <a:tc>
+                  <a:txBody>
+                    <a:bodyPr/>
+                    <a:lstStyle/>
+                    <a:p>
+                      <a:pPr algn="l" rtl="0" fontAlgn="ctr"/>
+                      <a:r>
+                        <a:rPr lang="en-IE" sz="1600" b="0" i="0" u="none" strike="noStrike">
+                          <a:solidFill>
+                            <a:srgbClr val="000000"/>
+                          </a:solidFill>
+                          <a:effectLst/>
+                          <a:latin typeface="Century Gothic" panose="020B0502020202020204" pitchFamily="34" charset="0"/>
+                        </a:rPr>
+                        <a:t>ca lab</a:t>
+                      </a:r>
+                    </a:p>
+                  </a:txBody>
+                  <a:tcPr marL="9525" marR="9525" marT="9525" marB="0" anchor="ctr"/>
+                </a:tc>
+                <a:tc>
+                  <a:txBody>
+                    <a:bodyPr/>
+                    <a:lstStyle/>
+                    <a:p>
+                      <a:pPr algn="l" rtl="0" fontAlgn="ctr"/>
+                      <a:r>
+                        <a:rPr lang="en-IE" sz="1600" b="0" i="0" u="none" strike="noStrike">
+                          <a:solidFill>
+                            <a:srgbClr val="000000"/>
+                          </a:solidFill>
+                          <a:effectLst/>
+                          <a:latin typeface="Century Gothic" panose="020B0502020202020204" pitchFamily="34" charset="0"/>
+                        </a:rPr>
+                        <a:t>qlik/report 10/04/2016</a:t>
+                      </a:r>
+                    </a:p>
+                  </a:txBody>
+                  <a:tcPr marL="9525" marR="9525" marT="9525" marB="0" anchor="ctr"/>
+                </a:tc>
+                <a:extLst>
+                  <a:ext uri="{0D108BD9-81ED-4DB2-BD59-A6C34878D82A}">
+                    <a16:rowId xmlns:a16="http://schemas.microsoft.com/office/drawing/2014/main" val="197691574"/>
+                  </a:ext>
+                </a:extLst>
+              </a:tr>
+              <a:tr h="370840">
+                <a:tc>
+                  <a:txBody>
+                    <a:bodyPr/>
+                    <a:lstStyle/>
+                    <a:p>
+                      <a:pPr algn="l" rtl="0" fontAlgn="ctr"/>
+                      <a:r>
+                        <a:rPr lang="en-IE" sz="1600" b="0" i="0" u="none" strike="noStrike">
+                          <a:solidFill>
+                            <a:srgbClr val="000000"/>
+                          </a:solidFill>
+                          <a:effectLst/>
+                          <a:latin typeface="Century Gothic" panose="020B0502020202020204" pitchFamily="34" charset="0"/>
+                        </a:rPr>
+                        <a:t>11/04/2016</a:t>
+                      </a:r>
+                    </a:p>
+                  </a:txBody>
+                  <a:tcPr marL="9525" marR="9525" marT="9525" marB="0" anchor="ctr"/>
+                </a:tc>
+                <a:tc>
+                  <a:txBody>
+                    <a:bodyPr/>
+                    <a:lstStyle/>
+                    <a:p>
+                      <a:pPr algn="l" rtl="0" fontAlgn="ctr"/>
+                      <a:r>
+                        <a:rPr lang="en-IE" sz="1600" b="0" i="0" u="none" strike="noStrike">
+                          <a:solidFill>
+                            <a:srgbClr val="000000"/>
+                          </a:solidFill>
+                          <a:effectLst/>
+                          <a:latin typeface="Century Gothic" panose="020B0502020202020204" pitchFamily="34" charset="0"/>
+                        </a:rPr>
+                        <a:t>12</a:t>
+                      </a:r>
+                    </a:p>
+                  </a:txBody>
+                  <a:tcPr marL="9525" marR="9525" marT="9525" marB="0" anchor="ctr"/>
+                </a:tc>
+                <a:tc>
+                  <a:txBody>
+                    <a:bodyPr/>
+                    <a:lstStyle/>
+                    <a:p>
+                      <a:pPr algn="l" rtl="0" fontAlgn="ctr"/>
+                      <a:r>
+                        <a:rPr lang="en-IE" sz="1600" b="0" i="0" u="none" strike="noStrike">
+                          <a:solidFill>
+                            <a:srgbClr val="000000"/>
+                          </a:solidFill>
+                          <a:effectLst/>
+                          <a:latin typeface="Century Gothic" panose="020B0502020202020204" pitchFamily="34" charset="0"/>
+                        </a:rPr>
+                        <a:t>Revision &amp; Demo</a:t>
+                      </a:r>
+                    </a:p>
+                  </a:txBody>
+                  <a:tcPr marL="9525" marR="9525" marT="9525" marB="0" anchor="ctr"/>
+                </a:tc>
+                <a:tc>
+                  <a:txBody>
+                    <a:bodyPr/>
+                    <a:lstStyle/>
+                    <a:p>
+                      <a:pPr algn="l" rtl="0" fontAlgn="ctr"/>
+                      <a:r>
+                        <a:rPr lang="en-IE" sz="1600" b="0" i="0" u="none" strike="noStrike">
+                          <a:solidFill>
+                            <a:srgbClr val="000000"/>
+                          </a:solidFill>
+                          <a:effectLst/>
+                          <a:latin typeface="Century Gothic" panose="020B0502020202020204" pitchFamily="34" charset="0"/>
+                        </a:rPr>
+                        <a:t>demo</a:t>
+                      </a:r>
+                    </a:p>
+                  </a:txBody>
+                  <a:tcPr marL="9525" marR="9525" marT="9525" marB="0" anchor="ctr"/>
+                </a:tc>
+                <a:tc>
+                  <a:txBody>
+                    <a:bodyPr/>
+                    <a:lstStyle/>
+                    <a:p>
+                      <a:pPr algn="l" fontAlgn="t"/>
+                      <a:r>
+                        <a:rPr lang="en-IE" sz="1600" b="0" i="0" u="none" strike="noStrike" dirty="0">
+                          <a:solidFill>
+                            <a:srgbClr val="000000"/>
+                          </a:solidFill>
+                          <a:effectLst/>
+                          <a:latin typeface="Arial" panose="020B0604020202020204" pitchFamily="34" charset="0"/>
+                        </a:rPr>
+                        <a:t> </a:t>
+                      </a:r>
+                    </a:p>
+                  </a:txBody>
+                  <a:tcPr marL="9525" marR="9525" marT="9525" marB="0"/>
+                </a:tc>
+                <a:extLst>
+                  <a:ext uri="{0D108BD9-81ED-4DB2-BD59-A6C34878D82A}">
+                    <a16:rowId xmlns:a16="http://schemas.microsoft.com/office/drawing/2014/main" val="4275189292"/>
+                  </a:ext>
+                </a:extLst>
+              </a:tr>
+            </a:tbl>
+          </a:graphicData>
+        </a:graphic>
+      </p:graphicFrame>
     </p:spTree>
     <p:extLst>
       <p:ext uri="{BB962C8B-B14F-4D97-AF65-F5344CB8AC3E}">
-        <p14:creationId xmlns:p14="http://schemas.microsoft.com/office/powerpoint/2010/main" val="2679999639"/>
+        <p14:creationId xmlns:p14="http://schemas.microsoft.com/office/powerpoint/2010/main" val="2704732239"/>
       </p:ext>
     </p:extLst>
   </p:cSld>
@@ -8770,10 +10469,10 @@
           <a:lstStyle/>
           <a:p>
             <a:r>
-              <a:rPr lang="en-IE" dirty="0" smtClean="0"/>
-              <a:t>introduction</a:t>
-            </a:r>
-            <a:endParaRPr lang="en-IE" dirty="0"/>
+              <a:rPr lang="en-GB" dirty="0" smtClean="0"/>
+              <a:t>Module learning outcomes</a:t>
+            </a:r>
+            <a:endParaRPr lang="en-GB" dirty="0"/>
           </a:p>
         </p:txBody>
       </p:sp>
@@ -8793,38 +10492,41 @@
           <a:lstStyle/>
           <a:p>
             <a:r>
-              <a:rPr lang="en-IE" dirty="0"/>
-              <a:t>Data analytics (DA) is the science of examining raw data with the purpose of drawing conclusions about that information. Data analytics is used in many industries to allow companies and organization to make better business decisions and in the sciences to verify or disprove existing models or theories. </a:t>
-            </a:r>
-            <a:endParaRPr lang="en-IE" dirty="0" smtClean="0"/>
-          </a:p>
-          <a:p>
-            <a:endParaRPr lang="en-IE" dirty="0"/>
-          </a:p>
-          <a:p>
-            <a:r>
-              <a:rPr lang="en-IE" dirty="0">
-                <a:hlinkClick r:id="rId2"/>
-              </a:rPr>
-              <a:t>http://</a:t>
-            </a:r>
-            <a:r>
-              <a:rPr lang="en-IE" dirty="0" smtClean="0">
-                <a:hlinkClick r:id="rId2"/>
-              </a:rPr>
-              <a:t>www.gartner.com/it-glossary/analytics</a:t>
-            </a:r>
-            <a:endParaRPr lang="en-IE" dirty="0" smtClean="0"/>
-          </a:p>
-          <a:p>
-            <a:endParaRPr lang="en-IE" dirty="0"/>
+              <a:rPr lang="en-GB" dirty="0" smtClean="0"/>
+              <a:t>Identify relevant organisational data sources.</a:t>
+            </a:r>
+          </a:p>
+          <a:p>
+            <a:r>
+              <a:rPr lang="en-GB" dirty="0" smtClean="0"/>
+              <a:t>Prepare data for analysis through cleansing and transformation.</a:t>
+            </a:r>
+          </a:p>
+          <a:p>
+            <a:r>
+              <a:rPr lang="en-GB" dirty="0" smtClean="0"/>
+              <a:t>Apply the concepts of data analytics to a business data analytics project.</a:t>
+            </a:r>
+          </a:p>
+          <a:p>
+            <a:r>
+              <a:rPr lang="en-GB" dirty="0" smtClean="0"/>
+              <a:t>Identify business problems and propose data analytics solutions.</a:t>
+            </a:r>
+          </a:p>
+          <a:p>
+            <a:r>
+              <a:rPr lang="en-GB" dirty="0" smtClean="0"/>
+              <a:t>Discuss current trends in data analytics.</a:t>
+            </a:r>
+            <a:endParaRPr lang="en-GB" dirty="0"/>
           </a:p>
         </p:txBody>
       </p:sp>
     </p:spTree>
     <p:extLst>
       <p:ext uri="{BB962C8B-B14F-4D97-AF65-F5344CB8AC3E}">
-        <p14:creationId xmlns:p14="http://schemas.microsoft.com/office/powerpoint/2010/main" val="1308684647"/>
+        <p14:creationId xmlns:p14="http://schemas.microsoft.com/office/powerpoint/2010/main" val="2679999639"/>
       </p:ext>
     </p:extLst>
   </p:cSld>
@@ -8868,7 +10570,7 @@
           <a:p>
             <a:r>
               <a:rPr lang="en-IE" dirty="0" smtClean="0"/>
-              <a:t>Introduction</a:t>
+              <a:t>introduction</a:t>
             </a:r>
             <a:endParaRPr lang="en-IE" dirty="0"/>
           </a:p>
@@ -8891,17 +10593,25 @@
           <a:p>
             <a:r>
               <a:rPr lang="en-IE" dirty="0"/>
-              <a:t>Data analytics focuses on inference, the process of deriving a conclusion based solely on what is already known by the researcher</a:t>
-            </a:r>
-            <a:r>
-              <a:rPr lang="en-IE" dirty="0" smtClean="0"/>
-              <a:t>.</a:t>
-            </a:r>
-          </a:p>
-          <a:p>
-            <a:r>
-              <a:rPr lang="en-IE" dirty="0"/>
-              <a:t>The science is generally divided into exploratory data analysis (EDA), where new features in the data are discovered, and confirmatory data analysis (CDA), where existing hypotheses are proven true or false. </a:t>
+              <a:t>Data analytics (DA) is the science of examining raw data with the purpose of drawing conclusions about that information. Data analytics is used in many industries to allow companies and organization to make better business decisions and in the sciences to verify or disprove existing models or theories. </a:t>
+            </a:r>
+            <a:endParaRPr lang="en-IE" dirty="0" smtClean="0"/>
+          </a:p>
+          <a:p>
+            <a:endParaRPr lang="en-IE" dirty="0"/>
+          </a:p>
+          <a:p>
+            <a:r>
+              <a:rPr lang="en-IE" dirty="0">
+                <a:hlinkClick r:id="rId2"/>
+              </a:rPr>
+              <a:t>http://</a:t>
+            </a:r>
+            <a:r>
+              <a:rPr lang="en-IE" dirty="0" smtClean="0">
+                <a:hlinkClick r:id="rId2"/>
+              </a:rPr>
+              <a:t>www.gartner.com/it-glossary/analytics</a:t>
             </a:r>
             <a:endParaRPr lang="en-IE" dirty="0" smtClean="0"/>
           </a:p>
@@ -8913,7 +10623,7 @@
     </p:spTree>
     <p:extLst>
       <p:ext uri="{BB962C8B-B14F-4D97-AF65-F5344CB8AC3E}">
-        <p14:creationId xmlns:p14="http://schemas.microsoft.com/office/powerpoint/2010/main" val="3885196983"/>
+        <p14:creationId xmlns:p14="http://schemas.microsoft.com/office/powerpoint/2010/main" val="1308684647"/>
       </p:ext>
     </p:extLst>
   </p:cSld>
@@ -8957,7 +10667,7 @@
           <a:p>
             <a:r>
               <a:rPr lang="en-IE" dirty="0" smtClean="0"/>
-              <a:t>introduction</a:t>
+              <a:t>Introduction</a:t>
             </a:r>
             <a:endParaRPr lang="en-IE" dirty="0"/>
           </a:p>
@@ -8975,69 +10685,26 @@
         </p:nvSpPr>
         <p:spPr/>
         <p:txBody>
-          <a:bodyPr>
-            <a:normAutofit fontScale="85000" lnSpcReduction="10000"/>
-          </a:bodyPr>
+          <a:bodyPr/>
           <a:lstStyle/>
           <a:p>
             <a:r>
               <a:rPr lang="en-IE" dirty="0"/>
-              <a:t>The term "analytics" has been used by many business intelligence (BI) software vendors as a buzzword to describe quite different functions. Data analytics is used to describe everything from online analytical processing (OLAP) to CRM analytics in call </a:t>
+              <a:t>Data analytics focuses on inference, the process of deriving a conclusion based solely on what is already known by the researcher</a:t>
             </a:r>
             <a:r>
               <a:rPr lang="en-IE" dirty="0" smtClean="0"/>
-              <a:t>centres</a:t>
-            </a:r>
+              <a:t>.</a:t>
+            </a:r>
+          </a:p>
+          <a:p>
             <a:r>
               <a:rPr lang="en-IE" dirty="0"/>
-              <a:t>. Banks and credit cards companies, for instance, </a:t>
-            </a:r>
-            <a:r>
-              <a:rPr lang="en-IE" dirty="0" smtClean="0"/>
-              <a:t>analyse </a:t>
-            </a:r>
-            <a:r>
-              <a:rPr lang="en-IE" dirty="0"/>
-              <a:t>withdrawal and spending patterns to prevent fraud </a:t>
-            </a:r>
-            <a:r>
-              <a:rPr lang="en-IE" dirty="0" smtClean="0"/>
-              <a:t>or identity </a:t>
-            </a:r>
-            <a:r>
-              <a:rPr lang="en-IE" dirty="0"/>
-              <a:t>theft. Ecommerce companies examine Web site traffic or navigation patterns to determine which customers are more or less likely to buy a product or service based upon prior purchases or viewing trends. Modern data analytics often use information dashboards supported by real-time data streams. So-called real-time analytics involves dynamic analysis and reporting, based on data entered into a system less than one minute before the actual time of use.</a:t>
-            </a:r>
-          </a:p>
-        </p:txBody>
-      </p:sp>
-      <p:sp>
-        <p:nvSpPr>
-          <p:cNvPr id="4" name="Rectangle 3"/>
-          <p:cNvSpPr/>
-          <p:nvPr/>
-        </p:nvSpPr>
-        <p:spPr>
-          <a:xfrm>
-            <a:off x="406166" y="6126163"/>
-            <a:ext cx="8532440" cy="369332"/>
-          </a:xfrm>
-          <a:prstGeom prst="rect">
-            <a:avLst/>
-          </a:prstGeom>
-        </p:spPr>
-        <p:txBody>
-          <a:bodyPr wrap="square">
-            <a:spAutoFit/>
-          </a:bodyPr>
-          <a:lstStyle/>
-          <a:p>
-            <a:r>
-              <a:rPr lang="en-IE" dirty="0" err="1" smtClean="0">
-                <a:hlinkClick r:id="rId3"/>
-              </a:rPr>
-              <a:t>TechTarget</a:t>
-            </a:r>
+              <a:t>The science is generally divided into exploratory data analysis (EDA), where new features in the data are discovered, and confirmatory data analysis (CDA), where existing hypotheses are proven true or false. </a:t>
+            </a:r>
+            <a:endParaRPr lang="en-IE" dirty="0" smtClean="0"/>
+          </a:p>
+          <a:p>
             <a:endParaRPr lang="en-IE" dirty="0"/>
           </a:p>
         </p:txBody>
@@ -9045,7 +10712,7 @@
     </p:spTree>
     <p:extLst>
       <p:ext uri="{BB962C8B-B14F-4D97-AF65-F5344CB8AC3E}">
-        <p14:creationId xmlns:p14="http://schemas.microsoft.com/office/powerpoint/2010/main" val="1768430839"/>
+        <p14:creationId xmlns:p14="http://schemas.microsoft.com/office/powerpoint/2010/main" val="3885196983"/>
       </p:ext>
     </p:extLst>
   </p:cSld>
@@ -9105,59 +10772,71 @@
             <p:ph idx="1"/>
           </p:nvPr>
         </p:nvSpPr>
+        <p:spPr/>
+        <p:txBody>
+          <a:bodyPr>
+            <a:normAutofit fontScale="85000" lnSpcReduction="10000"/>
+          </a:bodyPr>
+          <a:lstStyle/>
+          <a:p>
+            <a:r>
+              <a:rPr lang="en-IE" dirty="0"/>
+              <a:t>The term "analytics" has been used by many business intelligence (BI) software vendors as a buzzword to describe quite different functions. Data analytics is used to describe everything from online analytical processing (OLAP) to CRM analytics in call </a:t>
+            </a:r>
+            <a:r>
+              <a:rPr lang="en-IE" dirty="0" smtClean="0"/>
+              <a:t>centres</a:t>
+            </a:r>
+            <a:r>
+              <a:rPr lang="en-IE" dirty="0"/>
+              <a:t>. Banks and credit cards companies, for instance, </a:t>
+            </a:r>
+            <a:r>
+              <a:rPr lang="en-IE" dirty="0" smtClean="0"/>
+              <a:t>analyse </a:t>
+            </a:r>
+            <a:r>
+              <a:rPr lang="en-IE" dirty="0"/>
+              <a:t>withdrawal and spending patterns to prevent fraud </a:t>
+            </a:r>
+            <a:r>
+              <a:rPr lang="en-IE" dirty="0" smtClean="0"/>
+              <a:t>or identity </a:t>
+            </a:r>
+            <a:r>
+              <a:rPr lang="en-IE" dirty="0"/>
+              <a:t>theft. Ecommerce companies examine Web site traffic or navigation patterns to determine which customers are more or less likely to buy a product or service based upon prior purchases or viewing trends. Modern data analytics often use information dashboards supported by real-time data streams. So-called real-time analytics involves dynamic analysis and reporting, based on data entered into a system less than one minute before the actual time of use.</a:t>
+            </a:r>
+          </a:p>
+        </p:txBody>
+      </p:sp>
+      <p:sp>
+        <p:nvSpPr>
+          <p:cNvPr id="4" name="Rectangle 3"/>
+          <p:cNvSpPr/>
+          <p:nvPr/>
+        </p:nvSpPr>
         <p:spPr>
           <a:xfrm>
-            <a:off x="457200" y="1752600"/>
-            <a:ext cx="8229600" cy="4916760"/>
+            <a:off x="406166" y="6126163"/>
+            <a:ext cx="8532440" cy="369332"/>
           </a:xfrm>
+          <a:prstGeom prst="rect">
+            <a:avLst/>
+          </a:prstGeom>
         </p:spPr>
         <p:txBody>
-          <a:bodyPr>
-            <a:normAutofit fontScale="92500"/>
+          <a:bodyPr wrap="square">
+            <a:spAutoFit/>
           </a:bodyPr>
           <a:lstStyle/>
           <a:p>
             <a:r>
-              <a:rPr lang="en-IE" dirty="0"/>
-              <a:t>Business intelligence (BI) is a technology-driven process for </a:t>
-            </a:r>
-            <a:r>
-              <a:rPr lang="en-IE" dirty="0" smtClean="0"/>
-              <a:t>analysing</a:t>
-            </a:r>
-            <a:r>
-              <a:rPr lang="en-IE" dirty="0"/>
-              <a:t> </a:t>
-            </a:r>
-            <a:r>
-              <a:rPr lang="en-IE" dirty="0" smtClean="0"/>
-              <a:t>data and </a:t>
-            </a:r>
-            <a:r>
-              <a:rPr lang="en-IE" dirty="0"/>
-              <a:t>presenting actionable information to help corporate executives, business managers and other end users make more informed business decisions. BI encompasses a variety of tools, applications and methodologies that enable organizations to collect data from internal systems and external sources, prepare it for analysis, develop and run queries against the data, and create reports, dashboards and data visualizations to make the analytical results available to corporate decision makers as well as operational workers</a:t>
-            </a:r>
-            <a:r>
-              <a:rPr lang="en-IE" dirty="0" smtClean="0"/>
-              <a:t>.</a:t>
-            </a:r>
-          </a:p>
-          <a:p>
-            <a:r>
-              <a:rPr lang="en-IE" dirty="0">
-                <a:hlinkClick r:id="rId2"/>
+              <a:rPr lang="en-IE" dirty="0" err="1" smtClean="0">
+                <a:hlinkClick r:id="rId3"/>
               </a:rPr>
-              <a:t>http://www.gartner.com/it-glossary/business-intelligence-bi</a:t>
-            </a:r>
-            <a:r>
-              <a:rPr lang="en-IE" dirty="0" smtClean="0">
-                <a:hlinkClick r:id="rId2"/>
-              </a:rPr>
-              <a:t>/</a:t>
-            </a:r>
-            <a:endParaRPr lang="en-IE" dirty="0" smtClean="0"/>
-          </a:p>
-          <a:p>
+              <a:t>TechTarget</a:t>
+            </a:r>
             <a:endParaRPr lang="en-IE" dirty="0"/>
           </a:p>
         </p:txBody>
@@ -9165,7 +10844,7 @@
     </p:spTree>
     <p:extLst>
       <p:ext uri="{BB962C8B-B14F-4D97-AF65-F5344CB8AC3E}">
-        <p14:creationId xmlns:p14="http://schemas.microsoft.com/office/powerpoint/2010/main" val="177218579"/>
+        <p14:creationId xmlns:p14="http://schemas.microsoft.com/office/powerpoint/2010/main" val="1768430839"/>
       </p:ext>
     </p:extLst>
   </p:cSld>
@@ -9225,32 +10904,67 @@
             <p:ph idx="1"/>
           </p:nvPr>
         </p:nvSpPr>
-        <p:spPr/>
+        <p:spPr>
+          <a:xfrm>
+            <a:off x="457200" y="1752600"/>
+            <a:ext cx="8229600" cy="4916760"/>
+          </a:xfrm>
+        </p:spPr>
         <p:txBody>
           <a:bodyPr>
-            <a:normAutofit lnSpcReduction="10000"/>
+            <a:normAutofit fontScale="92500"/>
           </a:bodyPr>
           <a:lstStyle/>
           <a:p>
             <a:r>
               <a:rPr lang="en-IE" dirty="0"/>
-              <a:t>Business intelligence combines a broad set of data analysis applications, including ad hoc analysis and querying, enterprise reporting, online analytical processing (OLAP), mobile BI, real-time BI, operational BI, cloud </a:t>
+              <a:t>Business intelligence (BI) is a technology-driven process for </a:t>
             </a:r>
             <a:r>
               <a:rPr lang="en-IE" dirty="0" smtClean="0"/>
-              <a:t>and software </a:t>
+              <a:t>analysing</a:t>
             </a:r>
             <a:r>
               <a:rPr lang="en-IE" dirty="0"/>
-              <a:t>as a service BI, open source BI, collaborative BI and location intelligence. BI technology also includes data visualization software for designing charts and other infographics, as well as tools for building BI dashboards and performance scorecards that display visualized data on business metrics and key performance indicators in an easy-to-grasp way. </a:t>
-            </a:r>
+              <a:t> </a:t>
+            </a:r>
+            <a:r>
+              <a:rPr lang="en-IE" dirty="0" smtClean="0"/>
+              <a:t>data and </a:t>
+            </a:r>
+            <a:r>
+              <a:rPr lang="en-IE" dirty="0"/>
+              <a:t>presenting actionable information to help corporate executives, business managers and other end users make more informed business decisions. BI encompasses a variety of tools, applications and methodologies that enable organizations to collect data from internal systems and external sources, prepare it for analysis, develop and run queries against the data, and create reports, dashboards and data visualizations to make the analytical results available to corporate decision makers as well as operational workers</a:t>
+            </a:r>
+            <a:r>
+              <a:rPr lang="en-IE" dirty="0" smtClean="0"/>
+              <a:t>.</a:t>
+            </a:r>
+          </a:p>
+          <a:p>
+            <a:r>
+              <a:rPr lang="en-IE" dirty="0">
+                <a:hlinkClick r:id="rId2"/>
+              </a:rPr>
+              <a:t>http://www.gartner.com/it-glossary/business-intelligence-bi</a:t>
+            </a:r>
+            <a:r>
+              <a:rPr lang="en-IE" dirty="0" smtClean="0">
+                <a:hlinkClick r:id="rId2"/>
+              </a:rPr>
+              <a:t>/</a:t>
+            </a:r>
+            <a:endParaRPr lang="en-IE" dirty="0" smtClean="0"/>
+          </a:p>
+          <a:p>
+            <a:endParaRPr lang="en-IE" dirty="0"/>
           </a:p>
         </p:txBody>
       </p:sp>
     </p:spTree>
     <p:extLst>
       <p:ext uri="{BB962C8B-B14F-4D97-AF65-F5344CB8AC3E}">
-        <p14:creationId xmlns:p14="http://schemas.microsoft.com/office/powerpoint/2010/main" val="3516513681"/>
+        <p14:creationId xmlns:p14="http://schemas.microsoft.com/office/powerpoint/2010/main" val="177218579"/>
       </p:ext>
     </p:extLst>
   </p:cSld>
